--- a/Revisions_Statique/Fiche_01_Statique_3D_TD_01_MC2E_TODO/images/Figures.pptx
+++ b/Revisions_Statique/Fiche_01_Statique_3D_TD_01_MC2E_TODO/images/Figures.pptx
@@ -6,6 +6,7 @@
   </p:sldMasterIdLst>
   <p:sldIdLst>
     <p:sldId id="256" r:id="rId2"/>
+    <p:sldId id="257" r:id="rId3"/>
   </p:sldIdLst>
   <p:sldSz cx="9144000" cy="6858000" type="screen4x3"/>
   <p:notesSz cx="6858000" cy="9144000"/>
@@ -288,7 +289,7 @@
           <a:p>
             <a:fld id="{AA309A6D-C09C-4548-B29A-6CF363A7E532}" type="datetimeFigureOut">
               <a:rPr lang="fr-FR" smtClean="0"/>
-              <a:t>22/03/2018</a:t>
+              <a:t>23/03/2018</a:t>
             </a:fld>
             <a:endParaRPr lang="fr-BE"/>
           </a:p>
@@ -453,7 +454,7 @@
           <a:p>
             <a:fld id="{AA309A6D-C09C-4548-B29A-6CF363A7E532}" type="datetimeFigureOut">
               <a:rPr lang="fr-FR" smtClean="0"/>
-              <a:t>22/03/2018</a:t>
+              <a:t>23/03/2018</a:t>
             </a:fld>
             <a:endParaRPr lang="fr-BE"/>
           </a:p>
@@ -628,7 +629,7 @@
           <a:p>
             <a:fld id="{AA309A6D-C09C-4548-B29A-6CF363A7E532}" type="datetimeFigureOut">
               <a:rPr lang="fr-FR" smtClean="0"/>
-              <a:t>22/03/2018</a:t>
+              <a:t>23/03/2018</a:t>
             </a:fld>
             <a:endParaRPr lang="fr-BE"/>
           </a:p>
@@ -793,7 +794,7 @@
           <a:p>
             <a:fld id="{AA309A6D-C09C-4548-B29A-6CF363A7E532}" type="datetimeFigureOut">
               <a:rPr lang="fr-FR" smtClean="0"/>
-              <a:t>22/03/2018</a:t>
+              <a:t>23/03/2018</a:t>
             </a:fld>
             <a:endParaRPr lang="fr-BE"/>
           </a:p>
@@ -1034,7 +1035,7 @@
           <a:p>
             <a:fld id="{AA309A6D-C09C-4548-B29A-6CF363A7E532}" type="datetimeFigureOut">
               <a:rPr lang="fr-FR" smtClean="0"/>
-              <a:t>22/03/2018</a:t>
+              <a:t>23/03/2018</a:t>
             </a:fld>
             <a:endParaRPr lang="fr-BE"/>
           </a:p>
@@ -1317,7 +1318,7 @@
           <a:p>
             <a:fld id="{AA309A6D-C09C-4548-B29A-6CF363A7E532}" type="datetimeFigureOut">
               <a:rPr lang="fr-FR" smtClean="0"/>
-              <a:t>22/03/2018</a:t>
+              <a:t>23/03/2018</a:t>
             </a:fld>
             <a:endParaRPr lang="fr-BE"/>
           </a:p>
@@ -1734,7 +1735,7 @@
           <a:p>
             <a:fld id="{AA309A6D-C09C-4548-B29A-6CF363A7E532}" type="datetimeFigureOut">
               <a:rPr lang="fr-FR" smtClean="0"/>
-              <a:t>22/03/2018</a:t>
+              <a:t>23/03/2018</a:t>
             </a:fld>
             <a:endParaRPr lang="fr-BE"/>
           </a:p>
@@ -1847,7 +1848,7 @@
           <a:p>
             <a:fld id="{AA309A6D-C09C-4548-B29A-6CF363A7E532}" type="datetimeFigureOut">
               <a:rPr lang="fr-FR" smtClean="0"/>
-              <a:t>22/03/2018</a:t>
+              <a:t>23/03/2018</a:t>
             </a:fld>
             <a:endParaRPr lang="fr-BE"/>
           </a:p>
@@ -1937,7 +1938,7 @@
           <a:p>
             <a:fld id="{AA309A6D-C09C-4548-B29A-6CF363A7E532}" type="datetimeFigureOut">
               <a:rPr lang="fr-FR" smtClean="0"/>
-              <a:t>22/03/2018</a:t>
+              <a:t>23/03/2018</a:t>
             </a:fld>
             <a:endParaRPr lang="fr-BE"/>
           </a:p>
@@ -2209,7 +2210,7 @@
           <a:p>
             <a:fld id="{AA309A6D-C09C-4548-B29A-6CF363A7E532}" type="datetimeFigureOut">
               <a:rPr lang="fr-FR" smtClean="0"/>
-              <a:t>22/03/2018</a:t>
+              <a:t>23/03/2018</a:t>
             </a:fld>
             <a:endParaRPr lang="fr-BE"/>
           </a:p>
@@ -2457,7 +2458,7 @@
           <a:p>
             <a:fld id="{AA309A6D-C09C-4548-B29A-6CF363A7E532}" type="datetimeFigureOut">
               <a:rPr lang="fr-FR" smtClean="0"/>
-              <a:t>22/03/2018</a:t>
+              <a:t>23/03/2018</a:t>
             </a:fld>
             <a:endParaRPr lang="fr-BE"/>
           </a:p>
@@ -2665,7 +2666,7 @@
           <a:p>
             <a:fld id="{AA309A6D-C09C-4548-B29A-6CF363A7E532}" type="datetimeFigureOut">
               <a:rPr lang="fr-FR" smtClean="0"/>
-              <a:t>22/03/2018</a:t>
+              <a:t>23/03/2018</a:t>
             </a:fld>
             <a:endParaRPr lang="fr-BE"/>
           </a:p>
@@ -4148,8 +4149,8 @@
           </p:txBody>
         </p:sp>
       </p:grpSp>
-      <mc:AlternateContent xmlns:mc="http://schemas.openxmlformats.org/markup-compatibility/2006">
-        <mc:Choice xmlns:a14="http://schemas.microsoft.com/office/drawing/2010/main" Requires="a14">
+      <mc:AlternateContent xmlns:mc="http://schemas.openxmlformats.org/markup-compatibility/2006" xmlns:a14="http://schemas.microsoft.com/office/drawing/2010/main">
+        <mc:Choice Requires="a14">
           <p:sp>
             <p:nvSpPr>
               <p:cNvPr id="58" name="ZoneTexte 57"/>
@@ -4172,6 +4173,7 @@
               </a:bodyPr>
               <a:lstStyle/>
               <a:p>
+                <a:pPr/>
                 <a14:m>
                   <m:oMathPara xmlns:m="http://schemas.openxmlformats.org/officeDocument/2006/math">
                     <m:oMathParaPr>
@@ -4223,7 +4225,7 @@
             </p:txBody>
           </p:sp>
         </mc:Choice>
-        <mc:Fallback>
+        <mc:Fallback xmlns="">
           <p:sp>
             <p:nvSpPr>
               <p:cNvPr id="58" name="ZoneTexte 57"/>
@@ -4316,8 +4318,8 @@
           </a:extLst>
         </p:spPr>
       </p:pic>
-      <mc:AlternateContent xmlns:mc="http://schemas.openxmlformats.org/markup-compatibility/2006">
-        <mc:Choice xmlns:a14="http://schemas.microsoft.com/office/drawing/2010/main" Requires="a14">
+      <mc:AlternateContent xmlns:mc="http://schemas.openxmlformats.org/markup-compatibility/2006" xmlns:a14="http://schemas.microsoft.com/office/drawing/2010/main">
+        <mc:Choice Requires="a14">
           <p:sp>
             <p:nvSpPr>
               <p:cNvPr id="60" name="ZoneTexte 59"/>
@@ -4340,6 +4342,7 @@
               </a:bodyPr>
               <a:lstStyle/>
               <a:p>
+                <a:pPr/>
                 <a14:m>
                   <m:oMathPara xmlns:m="http://schemas.openxmlformats.org/officeDocument/2006/math">
                     <m:oMathParaPr>
@@ -4391,7 +4394,7 @@
             </p:txBody>
           </p:sp>
         </mc:Choice>
-        <mc:Fallback>
+        <mc:Fallback xmlns="">
           <p:sp>
             <p:nvSpPr>
               <p:cNvPr id="60" name="ZoneTexte 59"/>
@@ -4430,8 +4433,8 @@
           </p:sp>
         </mc:Fallback>
       </mc:AlternateContent>
-      <mc:AlternateContent xmlns:mc="http://schemas.openxmlformats.org/markup-compatibility/2006">
-        <mc:Choice xmlns:a14="http://schemas.microsoft.com/office/drawing/2010/main" Requires="a14">
+      <mc:AlternateContent xmlns:mc="http://schemas.openxmlformats.org/markup-compatibility/2006" xmlns:a14="http://schemas.microsoft.com/office/drawing/2010/main">
+        <mc:Choice Requires="a14">
           <p:sp>
             <p:nvSpPr>
               <p:cNvPr id="61" name="ZoneTexte 60"/>
@@ -4454,6 +4457,7 @@
               </a:bodyPr>
               <a:lstStyle/>
               <a:p>
+                <a:pPr/>
                 <a14:m>
                   <m:oMathPara xmlns:m="http://schemas.openxmlformats.org/officeDocument/2006/math">
                     <m:oMathParaPr>
@@ -4554,7 +4558,7 @@
             </p:txBody>
           </p:sp>
         </mc:Choice>
-        <mc:Fallback>
+        <mc:Fallback xmlns="">
           <p:sp>
             <p:nvSpPr>
               <p:cNvPr id="61" name="ZoneTexte 60"/>
@@ -4593,8 +4597,8 @@
           </p:sp>
         </mc:Fallback>
       </mc:AlternateContent>
-      <mc:AlternateContent xmlns:mc="http://schemas.openxmlformats.org/markup-compatibility/2006">
-        <mc:Choice xmlns:a14="http://schemas.microsoft.com/office/drawing/2010/main" Requires="a14">
+      <mc:AlternateContent xmlns:mc="http://schemas.openxmlformats.org/markup-compatibility/2006" xmlns:a14="http://schemas.microsoft.com/office/drawing/2010/main">
+        <mc:Choice Requires="a14">
           <p:sp>
             <p:nvSpPr>
               <p:cNvPr id="62" name="ZoneTexte 61"/>
@@ -4617,6 +4621,7 @@
               </a:bodyPr>
               <a:lstStyle/>
               <a:p>
+                <a:pPr/>
                 <a14:m>
                   <m:oMathPara xmlns:m="http://schemas.openxmlformats.org/officeDocument/2006/math">
                     <m:oMathParaPr>
@@ -4674,7 +4679,7 @@
             </p:txBody>
           </p:sp>
         </mc:Choice>
-        <mc:Fallback>
+        <mc:Fallback xmlns="">
           <p:sp>
             <p:nvSpPr>
               <p:cNvPr id="62" name="ZoneTexte 61"/>
@@ -4713,8 +4718,8 @@
           </p:sp>
         </mc:Fallback>
       </mc:AlternateContent>
-      <mc:AlternateContent xmlns:mc="http://schemas.openxmlformats.org/markup-compatibility/2006">
-        <mc:Choice xmlns:a14="http://schemas.microsoft.com/office/drawing/2010/main" Requires="a14">
+      <mc:AlternateContent xmlns:mc="http://schemas.openxmlformats.org/markup-compatibility/2006" xmlns:a14="http://schemas.microsoft.com/office/drawing/2010/main">
+        <mc:Choice Requires="a14">
           <p:sp>
             <p:nvSpPr>
               <p:cNvPr id="63" name="ZoneTexte 62"/>
@@ -4737,6 +4742,7 @@
               </a:bodyPr>
               <a:lstStyle/>
               <a:p>
+                <a:pPr/>
                 <a14:m>
                   <m:oMathPara xmlns:m="http://schemas.openxmlformats.org/officeDocument/2006/math">
                     <m:oMathParaPr>
@@ -4788,7 +4794,7 @@
             </p:txBody>
           </p:sp>
         </mc:Choice>
-        <mc:Fallback>
+        <mc:Fallback xmlns="">
           <p:sp>
             <p:nvSpPr>
               <p:cNvPr id="63" name="ZoneTexte 62"/>
@@ -4827,8 +4833,8 @@
           </p:sp>
         </mc:Fallback>
       </mc:AlternateContent>
-      <mc:AlternateContent xmlns:mc="http://schemas.openxmlformats.org/markup-compatibility/2006">
-        <mc:Choice xmlns:a14="http://schemas.microsoft.com/office/drawing/2010/main" Requires="a14">
+      <mc:AlternateContent xmlns:mc="http://schemas.openxmlformats.org/markup-compatibility/2006" xmlns:a14="http://schemas.microsoft.com/office/drawing/2010/main">
+        <mc:Choice Requires="a14">
           <p:sp>
             <p:nvSpPr>
               <p:cNvPr id="64" name="ZoneTexte 63"/>
@@ -4851,6 +4857,7 @@
               </a:bodyPr>
               <a:lstStyle/>
               <a:p>
+                <a:pPr/>
                 <a14:m>
                   <m:oMathPara xmlns:m="http://schemas.openxmlformats.org/officeDocument/2006/math">
                     <m:oMathParaPr>
@@ -4902,7 +4909,7 @@
             </p:txBody>
           </p:sp>
         </mc:Choice>
-        <mc:Fallback>
+        <mc:Fallback xmlns="">
           <p:sp>
             <p:nvSpPr>
               <p:cNvPr id="64" name="ZoneTexte 63"/>
@@ -4941,8 +4948,8 @@
           </p:sp>
         </mc:Fallback>
       </mc:AlternateContent>
-      <mc:AlternateContent xmlns:mc="http://schemas.openxmlformats.org/markup-compatibility/2006">
-        <mc:Choice xmlns:a14="http://schemas.microsoft.com/office/drawing/2010/main" Requires="a14">
+      <mc:AlternateContent xmlns:mc="http://schemas.openxmlformats.org/markup-compatibility/2006" xmlns:a14="http://schemas.microsoft.com/office/drawing/2010/main">
+        <mc:Choice Requires="a14">
           <p:sp>
             <p:nvSpPr>
               <p:cNvPr id="65" name="ZoneTexte 64"/>
@@ -4965,6 +4972,7 @@
               </a:bodyPr>
               <a:lstStyle/>
               <a:p>
+                <a:pPr/>
                 <a14:m>
                   <m:oMathPara xmlns:m="http://schemas.openxmlformats.org/officeDocument/2006/math">
                     <m:oMathParaPr>
@@ -5022,7 +5030,7 @@
             </p:txBody>
           </p:sp>
         </mc:Choice>
-        <mc:Fallback>
+        <mc:Fallback xmlns="">
           <p:sp>
             <p:nvSpPr>
               <p:cNvPr id="65" name="ZoneTexte 64"/>
@@ -5061,8 +5069,8 @@
           </p:sp>
         </mc:Fallback>
       </mc:AlternateContent>
-      <mc:AlternateContent xmlns:mc="http://schemas.openxmlformats.org/markup-compatibility/2006">
-        <mc:Choice xmlns:a14="http://schemas.microsoft.com/office/drawing/2010/main" Requires="a14">
+      <mc:AlternateContent xmlns:mc="http://schemas.openxmlformats.org/markup-compatibility/2006" xmlns:a14="http://schemas.microsoft.com/office/drawing/2010/main">
+        <mc:Choice Requires="a14">
           <p:sp>
             <p:nvSpPr>
               <p:cNvPr id="66" name="ZoneTexte 65"/>
@@ -5085,6 +5093,7 @@
               </a:bodyPr>
               <a:lstStyle/>
               <a:p>
+                <a:pPr/>
                 <a14:m>
                   <m:oMathPara xmlns:m="http://schemas.openxmlformats.org/officeDocument/2006/math">
                     <m:oMathParaPr>
@@ -5136,7 +5145,7 @@
             </p:txBody>
           </p:sp>
         </mc:Choice>
-        <mc:Fallback>
+        <mc:Fallback xmlns="">
           <p:sp>
             <p:nvSpPr>
               <p:cNvPr id="66" name="ZoneTexte 65"/>
@@ -5175,8 +5184,8 @@
           </p:sp>
         </mc:Fallback>
       </mc:AlternateContent>
-      <mc:AlternateContent xmlns:mc="http://schemas.openxmlformats.org/markup-compatibility/2006">
-        <mc:Choice xmlns:a14="http://schemas.microsoft.com/office/drawing/2010/main" Requires="a14">
+      <mc:AlternateContent xmlns:mc="http://schemas.openxmlformats.org/markup-compatibility/2006" xmlns:a14="http://schemas.microsoft.com/office/drawing/2010/main">
+        <mc:Choice Requires="a14">
           <p:sp>
             <p:nvSpPr>
               <p:cNvPr id="69" name="ZoneTexte 68"/>
@@ -5199,6 +5208,7 @@
               </a:bodyPr>
               <a:lstStyle/>
               <a:p>
+                <a:pPr/>
                 <a14:m>
                   <m:oMathPara xmlns:m="http://schemas.openxmlformats.org/officeDocument/2006/math">
                     <m:oMathParaPr>
@@ -5250,7 +5260,7 @@
             </p:txBody>
           </p:sp>
         </mc:Choice>
-        <mc:Fallback>
+        <mc:Fallback xmlns="">
           <p:sp>
             <p:nvSpPr>
               <p:cNvPr id="69" name="ZoneTexte 68"/>
@@ -5289,8 +5299,8 @@
           </p:sp>
         </mc:Fallback>
       </mc:AlternateContent>
-      <mc:AlternateContent xmlns:mc="http://schemas.openxmlformats.org/markup-compatibility/2006">
-        <mc:Choice xmlns:a14="http://schemas.microsoft.com/office/drawing/2010/main" Requires="a14">
+      <mc:AlternateContent xmlns:mc="http://schemas.openxmlformats.org/markup-compatibility/2006" xmlns:a14="http://schemas.microsoft.com/office/drawing/2010/main">
+        <mc:Choice Requires="a14">
           <p:sp>
             <p:nvSpPr>
               <p:cNvPr id="70" name="ZoneTexte 69"/>
@@ -5313,6 +5323,7 @@
               </a:bodyPr>
               <a:lstStyle/>
               <a:p>
+                <a:pPr/>
                 <a14:m>
                   <m:oMathPara xmlns:m="http://schemas.openxmlformats.org/officeDocument/2006/math">
                     <m:oMathParaPr>
@@ -5364,7 +5375,7 @@
             </p:txBody>
           </p:sp>
         </mc:Choice>
-        <mc:Fallback>
+        <mc:Fallback xmlns="">
           <p:sp>
             <p:nvSpPr>
               <p:cNvPr id="70" name="ZoneTexte 69"/>
@@ -5403,8 +5414,8 @@
           </p:sp>
         </mc:Fallback>
       </mc:AlternateContent>
-      <mc:AlternateContent xmlns:mc="http://schemas.openxmlformats.org/markup-compatibility/2006">
-        <mc:Choice xmlns:a14="http://schemas.microsoft.com/office/drawing/2010/main" Requires="a14">
+      <mc:AlternateContent xmlns:mc="http://schemas.openxmlformats.org/markup-compatibility/2006" xmlns:a14="http://schemas.microsoft.com/office/drawing/2010/main">
+        <mc:Choice Requires="a14">
           <p:sp>
             <p:nvSpPr>
               <p:cNvPr id="71" name="ZoneTexte 70"/>
@@ -5427,6 +5438,7 @@
               </a:bodyPr>
               <a:lstStyle/>
               <a:p>
+                <a:pPr/>
                 <a14:m>
                   <m:oMathPara xmlns:m="http://schemas.openxmlformats.org/officeDocument/2006/math">
                     <m:oMathParaPr>
@@ -5466,7 +5478,7 @@
             </p:txBody>
           </p:sp>
         </mc:Choice>
-        <mc:Fallback>
+        <mc:Fallback xmlns="">
           <p:sp>
             <p:nvSpPr>
               <p:cNvPr id="71" name="ZoneTexte 70"/>
@@ -5505,8 +5517,8 @@
           </p:sp>
         </mc:Fallback>
       </mc:AlternateContent>
-      <mc:AlternateContent xmlns:mc="http://schemas.openxmlformats.org/markup-compatibility/2006">
-        <mc:Choice xmlns:a14="http://schemas.microsoft.com/office/drawing/2010/main" Requires="a14">
+      <mc:AlternateContent xmlns:mc="http://schemas.openxmlformats.org/markup-compatibility/2006" xmlns:a14="http://schemas.microsoft.com/office/drawing/2010/main">
+        <mc:Choice Requires="a14">
           <p:sp>
             <p:nvSpPr>
               <p:cNvPr id="72" name="ZoneTexte 71"/>
@@ -5529,6 +5541,7 @@
               </a:bodyPr>
               <a:lstStyle/>
               <a:p>
+                <a:pPr/>
                 <a14:m>
                   <m:oMathPara xmlns:m="http://schemas.openxmlformats.org/officeDocument/2006/math">
                     <m:oMathParaPr>
@@ -5568,7 +5581,7 @@
             </p:txBody>
           </p:sp>
         </mc:Choice>
-        <mc:Fallback>
+        <mc:Fallback xmlns="">
           <p:sp>
             <p:nvSpPr>
               <p:cNvPr id="72" name="ZoneTexte 71"/>
@@ -5607,8 +5620,8 @@
           </p:sp>
         </mc:Fallback>
       </mc:AlternateContent>
-      <mc:AlternateContent xmlns:mc="http://schemas.openxmlformats.org/markup-compatibility/2006">
-        <mc:Choice xmlns:a14="http://schemas.microsoft.com/office/drawing/2010/main" Requires="a14">
+      <mc:AlternateContent xmlns:mc="http://schemas.openxmlformats.org/markup-compatibility/2006" xmlns:a14="http://schemas.microsoft.com/office/drawing/2010/main">
+        <mc:Choice Requires="a14">
           <p:sp>
             <p:nvSpPr>
               <p:cNvPr id="73" name="ZoneTexte 72"/>
@@ -5631,6 +5644,7 @@
               </a:bodyPr>
               <a:lstStyle/>
               <a:p>
+                <a:pPr/>
                 <a14:m>
                   <m:oMathPara xmlns:m="http://schemas.openxmlformats.org/officeDocument/2006/math">
                     <m:oMathParaPr>
@@ -5670,7 +5684,7 @@
             </p:txBody>
           </p:sp>
         </mc:Choice>
-        <mc:Fallback>
+        <mc:Fallback xmlns="">
           <p:sp>
             <p:nvSpPr>
               <p:cNvPr id="73" name="ZoneTexte 72"/>
@@ -5756,8 +5770,8 @@
           </a:p>
         </p:txBody>
       </p:sp>
-      <mc:AlternateContent xmlns:mc="http://schemas.openxmlformats.org/markup-compatibility/2006">
-        <mc:Choice xmlns:a14="http://schemas.microsoft.com/office/drawing/2010/main" Requires="a14">
+      <mc:AlternateContent xmlns:mc="http://schemas.openxmlformats.org/markup-compatibility/2006" xmlns:a14="http://schemas.microsoft.com/office/drawing/2010/main">
+        <mc:Choice Requires="a14">
           <p:sp>
             <p:nvSpPr>
               <p:cNvPr id="75" name="ZoneTexte 74"/>
@@ -5780,6 +5794,7 @@
               </a:bodyPr>
               <a:lstStyle/>
               <a:p>
+                <a:pPr/>
                 <a14:m>
                   <m:oMathPara xmlns:m="http://schemas.openxmlformats.org/officeDocument/2006/math">
                     <m:oMathParaPr>
@@ -5819,7 +5834,7 @@
             </p:txBody>
           </p:sp>
         </mc:Choice>
-        <mc:Fallback>
+        <mc:Fallback xmlns="">
           <p:sp>
             <p:nvSpPr>
               <p:cNvPr id="75" name="ZoneTexte 74"/>
@@ -5858,8 +5873,8 @@
           </p:sp>
         </mc:Fallback>
       </mc:AlternateContent>
-      <mc:AlternateContent xmlns:mc="http://schemas.openxmlformats.org/markup-compatibility/2006">
-        <mc:Choice xmlns:a14="http://schemas.microsoft.com/office/drawing/2010/main" Requires="a14">
+      <mc:AlternateContent xmlns:mc="http://schemas.openxmlformats.org/markup-compatibility/2006" xmlns:a14="http://schemas.microsoft.com/office/drawing/2010/main">
+        <mc:Choice Requires="a14">
           <p:sp>
             <p:nvSpPr>
               <p:cNvPr id="76" name="ZoneTexte 75"/>
@@ -5882,6 +5897,7 @@
               </a:bodyPr>
               <a:lstStyle/>
               <a:p>
+                <a:pPr/>
                 <a14:m>
                   <m:oMathPara xmlns:m="http://schemas.openxmlformats.org/officeDocument/2006/math">
                     <m:oMathParaPr>
@@ -5933,7 +5949,7 @@
             </p:txBody>
           </p:sp>
         </mc:Choice>
-        <mc:Fallback>
+        <mc:Fallback xmlns="">
           <p:sp>
             <p:nvSpPr>
               <p:cNvPr id="76" name="ZoneTexte 75"/>
@@ -5972,8 +5988,8 @@
           </p:sp>
         </mc:Fallback>
       </mc:AlternateContent>
-      <mc:AlternateContent xmlns:mc="http://schemas.openxmlformats.org/markup-compatibility/2006">
-        <mc:Choice xmlns:a14="http://schemas.microsoft.com/office/drawing/2010/main" Requires="a14">
+      <mc:AlternateContent xmlns:mc="http://schemas.openxmlformats.org/markup-compatibility/2006" xmlns:a14="http://schemas.microsoft.com/office/drawing/2010/main">
+        <mc:Choice Requires="a14">
           <p:sp>
             <p:nvSpPr>
               <p:cNvPr id="77" name="ZoneTexte 76"/>
@@ -5996,6 +6012,7 @@
               </a:bodyPr>
               <a:lstStyle/>
               <a:p>
+                <a:pPr/>
                 <a14:m>
                   <m:oMathPara xmlns:m="http://schemas.openxmlformats.org/officeDocument/2006/math">
                     <m:oMathParaPr>
@@ -6133,7 +6150,7 @@
             </p:txBody>
           </p:sp>
         </mc:Choice>
-        <mc:Fallback>
+        <mc:Fallback xmlns="">
           <p:sp>
             <p:nvSpPr>
               <p:cNvPr id="77" name="ZoneTexte 76"/>
@@ -6172,8 +6189,8 @@
           </p:sp>
         </mc:Fallback>
       </mc:AlternateContent>
-      <mc:AlternateContent xmlns:mc="http://schemas.openxmlformats.org/markup-compatibility/2006">
-        <mc:Choice xmlns:a14="http://schemas.microsoft.com/office/drawing/2010/main" Requires="a14">
+      <mc:AlternateContent xmlns:mc="http://schemas.openxmlformats.org/markup-compatibility/2006" xmlns:a14="http://schemas.microsoft.com/office/drawing/2010/main">
+        <mc:Choice Requires="a14">
           <p:sp>
             <p:nvSpPr>
               <p:cNvPr id="78" name="ZoneTexte 77"/>
@@ -6196,6 +6213,7 @@
               </a:bodyPr>
               <a:lstStyle/>
               <a:p>
+                <a:pPr/>
                 <a14:m>
                   <m:oMathPara xmlns:m="http://schemas.openxmlformats.org/officeDocument/2006/math">
                     <m:oMathParaPr>
@@ -6309,7 +6327,7 @@
             </p:txBody>
           </p:sp>
         </mc:Choice>
-        <mc:Fallback>
+        <mc:Fallback xmlns="">
           <p:sp>
             <p:nvSpPr>
               <p:cNvPr id="78" name="ZoneTexte 77"/>
@@ -6348,8 +6366,8 @@
           </p:sp>
         </mc:Fallback>
       </mc:AlternateContent>
-      <mc:AlternateContent xmlns:mc="http://schemas.openxmlformats.org/markup-compatibility/2006">
-        <mc:Choice xmlns:a14="http://schemas.microsoft.com/office/drawing/2010/main" Requires="a14">
+      <mc:AlternateContent xmlns:mc="http://schemas.openxmlformats.org/markup-compatibility/2006" xmlns:a14="http://schemas.microsoft.com/office/drawing/2010/main">
+        <mc:Choice Requires="a14">
           <p:sp>
             <p:nvSpPr>
               <p:cNvPr id="79" name="ZoneTexte 78"/>
@@ -6372,6 +6390,7 @@
               </a:bodyPr>
               <a:lstStyle/>
               <a:p>
+                <a:pPr/>
                 <a14:m>
                   <m:oMathPara xmlns:m="http://schemas.openxmlformats.org/officeDocument/2006/math">
                     <m:oMathParaPr>
@@ -6485,7 +6504,7 @@
             </p:txBody>
           </p:sp>
         </mc:Choice>
-        <mc:Fallback>
+        <mc:Fallback xmlns="">
           <p:sp>
             <p:nvSpPr>
               <p:cNvPr id="79" name="ZoneTexte 78"/>
@@ -6524,8 +6543,8 @@
           </p:sp>
         </mc:Fallback>
       </mc:AlternateContent>
-      <mc:AlternateContent xmlns:mc="http://schemas.openxmlformats.org/markup-compatibility/2006">
-        <mc:Choice xmlns:a14="http://schemas.microsoft.com/office/drawing/2010/main" Requires="a14">
+      <mc:AlternateContent xmlns:mc="http://schemas.openxmlformats.org/markup-compatibility/2006" xmlns:a14="http://schemas.microsoft.com/office/drawing/2010/main">
+        <mc:Choice Requires="a14">
           <p:sp>
             <p:nvSpPr>
               <p:cNvPr id="80" name="ZoneTexte 79"/>
@@ -6548,6 +6567,7 @@
               </a:bodyPr>
               <a:lstStyle/>
               <a:p>
+                <a:pPr/>
                 <a14:m>
                   <m:oMathPara xmlns:m="http://schemas.openxmlformats.org/officeDocument/2006/math">
                     <m:oMathParaPr>
@@ -6599,7 +6619,7 @@
             </p:txBody>
           </p:sp>
         </mc:Choice>
-        <mc:Fallback>
+        <mc:Fallback xmlns="">
           <p:sp>
             <p:nvSpPr>
               <p:cNvPr id="80" name="ZoneTexte 79"/>
@@ -6638,8 +6658,8 @@
           </p:sp>
         </mc:Fallback>
       </mc:AlternateContent>
-      <mc:AlternateContent xmlns:mc="http://schemas.openxmlformats.org/markup-compatibility/2006">
-        <mc:Choice xmlns:a14="http://schemas.microsoft.com/office/drawing/2010/main" Requires="a14">
+      <mc:AlternateContent xmlns:mc="http://schemas.openxmlformats.org/markup-compatibility/2006" xmlns:a14="http://schemas.microsoft.com/office/drawing/2010/main">
+        <mc:Choice Requires="a14">
           <p:sp>
             <p:nvSpPr>
               <p:cNvPr id="81" name="ZoneTexte 80"/>
@@ -6662,6 +6682,7 @@
               </a:bodyPr>
               <a:lstStyle/>
               <a:p>
+                <a:pPr/>
                 <a14:m>
                   <m:oMathPara xmlns:m="http://schemas.openxmlformats.org/officeDocument/2006/math">
                     <m:oMathParaPr>
@@ -6713,7 +6734,7 @@
             </p:txBody>
           </p:sp>
         </mc:Choice>
-        <mc:Fallback>
+        <mc:Fallback xmlns="">
           <p:sp>
             <p:nvSpPr>
               <p:cNvPr id="81" name="ZoneTexte 80"/>
@@ -6752,8 +6773,8 @@
           </p:sp>
         </mc:Fallback>
       </mc:AlternateContent>
-      <mc:AlternateContent xmlns:mc="http://schemas.openxmlformats.org/markup-compatibility/2006">
-        <mc:Choice xmlns:a14="http://schemas.microsoft.com/office/drawing/2010/main" Requires="a14">
+      <mc:AlternateContent xmlns:mc="http://schemas.openxmlformats.org/markup-compatibility/2006" xmlns:a14="http://schemas.microsoft.com/office/drawing/2010/main">
+        <mc:Choice Requires="a14">
           <p:sp>
             <p:nvSpPr>
               <p:cNvPr id="82" name="ZoneTexte 81"/>
@@ -6776,6 +6797,7 @@
               </a:bodyPr>
               <a:lstStyle/>
               <a:p>
+                <a:pPr/>
                 <a14:m>
                   <m:oMathPara xmlns:m="http://schemas.openxmlformats.org/officeDocument/2006/math">
                     <m:oMathParaPr>
@@ -6827,7 +6849,7 @@
             </p:txBody>
           </p:sp>
         </mc:Choice>
-        <mc:Fallback>
+        <mc:Fallback xmlns="">
           <p:sp>
             <p:nvSpPr>
               <p:cNvPr id="82" name="ZoneTexte 81"/>
@@ -6870,6 +6892,619 @@
     <p:extLst>
       <p:ext uri="{BB962C8B-B14F-4D97-AF65-F5344CB8AC3E}">
         <p14:creationId xmlns:p14="http://schemas.microsoft.com/office/powerpoint/2010/main" val="2751486586"/>
+      </p:ext>
+    </p:extLst>
+  </p:cSld>
+  <p:clrMapOvr>
+    <a:masterClrMapping/>
+  </p:clrMapOvr>
+</p:sld>
+</file>
+
+<file path=ppt/slides/slide2.xml><?xml version="1.0" encoding="utf-8"?>
+<p:sld xmlns:a="http://schemas.openxmlformats.org/drawingml/2006/main" xmlns:r="http://schemas.openxmlformats.org/officeDocument/2006/relationships" xmlns:p="http://schemas.openxmlformats.org/presentationml/2006/main">
+  <p:cSld>
+    <p:spTree>
+      <p:nvGrpSpPr>
+        <p:cNvPr id="1" name=""/>
+        <p:cNvGrpSpPr/>
+        <p:nvPr/>
+      </p:nvGrpSpPr>
+      <p:grpSpPr>
+        <a:xfrm>
+          <a:off x="0" y="0"/>
+          <a:ext cx="0" cy="0"/>
+          <a:chOff x="0" y="0"/>
+          <a:chExt cx="0" cy="0"/>
+        </a:xfrm>
+      </p:grpSpPr>
+      <p:sp>
+        <p:nvSpPr>
+          <p:cNvPr id="5" name="Rectangle 4"/>
+          <p:cNvSpPr/>
+          <p:nvPr/>
+        </p:nvSpPr>
+        <p:spPr>
+          <a:xfrm>
+            <a:off x="971600" y="1628800"/>
+            <a:ext cx="1440160" cy="288032"/>
+          </a:xfrm>
+          <a:prstGeom prst="rect">
+            <a:avLst/>
+          </a:prstGeom>
+          <a:solidFill>
+            <a:schemeClr val="accent5">
+              <a:lumMod val="20000"/>
+              <a:lumOff val="80000"/>
+            </a:schemeClr>
+          </a:solidFill>
+          <a:ln w="9525">
+            <a:solidFill>
+              <a:schemeClr val="accent5">
+                <a:lumMod val="50000"/>
+              </a:schemeClr>
+            </a:solidFill>
+          </a:ln>
+        </p:spPr>
+        <p:style>
+          <a:lnRef idx="2">
+            <a:schemeClr val="accent1">
+              <a:shade val="50000"/>
+            </a:schemeClr>
+          </a:lnRef>
+          <a:fillRef idx="1">
+            <a:schemeClr val="accent1"/>
+          </a:fillRef>
+          <a:effectRef idx="0">
+            <a:schemeClr val="accent1"/>
+          </a:effectRef>
+          <a:fontRef idx="minor">
+            <a:schemeClr val="lt1"/>
+          </a:fontRef>
+        </p:style>
+        <p:txBody>
+          <a:bodyPr rtlCol="0" anchor="ctr"/>
+          <a:lstStyle/>
+          <a:p>
+            <a:pPr algn="ctr"/>
+            <a:r>
+              <a:rPr lang="fr-FR" sz="1000" dirty="0" smtClean="0">
+                <a:solidFill>
+                  <a:sysClr val="windowText" lastClr="000000"/>
+                </a:solidFill>
+              </a:rPr>
+              <a:t>Domaine du client</a:t>
+            </a:r>
+            <a:endParaRPr lang="fr-FR" sz="1000" dirty="0">
+              <a:solidFill>
+                <a:sysClr val="windowText" lastClr="000000"/>
+              </a:solidFill>
+            </a:endParaRPr>
+          </a:p>
+        </p:txBody>
+      </p:sp>
+      <p:sp>
+        <p:nvSpPr>
+          <p:cNvPr id="6" name="Rectangle 5"/>
+          <p:cNvSpPr/>
+          <p:nvPr/>
+        </p:nvSpPr>
+        <p:spPr>
+          <a:xfrm>
+            <a:off x="971600" y="1988840"/>
+            <a:ext cx="1440160" cy="1512168"/>
+          </a:xfrm>
+          <a:prstGeom prst="rect">
+            <a:avLst/>
+          </a:prstGeom>
+          <a:solidFill>
+            <a:schemeClr val="accent5">
+              <a:lumMod val="20000"/>
+              <a:lumOff val="80000"/>
+            </a:schemeClr>
+          </a:solidFill>
+          <a:ln w="9525">
+            <a:solidFill>
+              <a:schemeClr val="accent5">
+                <a:lumMod val="50000"/>
+              </a:schemeClr>
+            </a:solidFill>
+          </a:ln>
+        </p:spPr>
+        <p:style>
+          <a:lnRef idx="2">
+            <a:schemeClr val="accent1">
+              <a:shade val="50000"/>
+            </a:schemeClr>
+          </a:lnRef>
+          <a:fillRef idx="1">
+            <a:schemeClr val="accent1"/>
+          </a:fillRef>
+          <a:effectRef idx="0">
+            <a:schemeClr val="accent1"/>
+          </a:effectRef>
+          <a:fontRef idx="minor">
+            <a:schemeClr val="lt1"/>
+          </a:fontRef>
+        </p:style>
+        <p:txBody>
+          <a:bodyPr rtlCol="0" anchor="ctr"/>
+          <a:lstStyle/>
+          <a:p>
+            <a:pPr algn="ctr"/>
+            <a:endParaRPr lang="fr-FR" sz="1000" dirty="0">
+              <a:solidFill>
+                <a:sysClr val="windowText" lastClr="000000"/>
+              </a:solidFill>
+            </a:endParaRPr>
+          </a:p>
+        </p:txBody>
+      </p:sp>
+      <p:pic>
+        <p:nvPicPr>
+          <p:cNvPr id="1026" name="Picture 2"/>
+          <p:cNvPicPr>
+            <a:picLocks noChangeAspect="1" noChangeArrowheads="1"/>
+          </p:cNvPicPr>
+          <p:nvPr/>
+        </p:nvPicPr>
+        <p:blipFill>
+          <a:blip r:embed="rId2">
+            <a:extLst>
+              <a:ext uri="{28A0092B-C50C-407E-A947-70E740481C1C}">
+                <a14:useLocalDpi xmlns:a14="http://schemas.microsoft.com/office/drawing/2010/main" val="0"/>
+              </a:ext>
+            </a:extLst>
+          </a:blip>
+          <a:srcRect/>
+          <a:stretch>
+            <a:fillRect/>
+          </a:stretch>
+        </p:blipFill>
+        <p:spPr bwMode="auto">
+          <a:xfrm>
+            <a:off x="1023876" y="2003998"/>
+            <a:ext cx="1335608" cy="870762"/>
+          </a:xfrm>
+          <a:prstGeom prst="rect">
+            <a:avLst/>
+          </a:prstGeom>
+          <a:noFill/>
+          <a:ln>
+            <a:noFill/>
+          </a:ln>
+          <a:effectLst/>
+          <a:extLst>
+            <a:ext uri="{909E8E84-426E-40DD-AFC4-6F175D3DCCD1}">
+              <a14:hiddenFill xmlns:a14="http://schemas.microsoft.com/office/drawing/2010/main">
+                <a:solidFill>
+                  <a:schemeClr val="accent1"/>
+                </a:solidFill>
+              </a14:hiddenFill>
+            </a:ext>
+            <a:ext uri="{91240B29-F687-4F45-9708-019B960494DF}">
+              <a14:hiddenLine xmlns:a14="http://schemas.microsoft.com/office/drawing/2010/main" w="9525">
+                <a:solidFill>
+                  <a:schemeClr val="tx1"/>
+                </a:solidFill>
+                <a:miter lim="800000"/>
+                <a:headEnd/>
+                <a:tailEnd/>
+              </a14:hiddenLine>
+            </a:ext>
+            <a:ext uri="{AF507438-7753-43E0-B8FC-AC1667EBCBE1}">
+              <a14:hiddenEffects xmlns:a14="http://schemas.microsoft.com/office/drawing/2010/main">
+                <a:effectLst>
+                  <a:outerShdw dist="35921" dir="2700000" algn="ctr" rotWithShape="0">
+                    <a:schemeClr val="bg2"/>
+                  </a:outerShdw>
+                </a:effectLst>
+              </a14:hiddenEffects>
+            </a:ext>
+          </a:extLst>
+        </p:spPr>
+      </p:pic>
+      <p:sp>
+        <p:nvSpPr>
+          <p:cNvPr id="8" name="Rectangle 7"/>
+          <p:cNvSpPr/>
+          <p:nvPr/>
+        </p:nvSpPr>
+        <p:spPr>
+          <a:xfrm>
+            <a:off x="3779912" y="1628800"/>
+            <a:ext cx="1440160" cy="288032"/>
+          </a:xfrm>
+          <a:prstGeom prst="rect">
+            <a:avLst/>
+          </a:prstGeom>
+          <a:solidFill>
+            <a:schemeClr val="accent2">
+              <a:lumMod val="20000"/>
+              <a:lumOff val="80000"/>
+            </a:schemeClr>
+          </a:solidFill>
+          <a:ln w="9525">
+            <a:solidFill>
+              <a:schemeClr val="accent2"/>
+            </a:solidFill>
+          </a:ln>
+        </p:spPr>
+        <p:style>
+          <a:lnRef idx="2">
+            <a:schemeClr val="accent1">
+              <a:shade val="50000"/>
+            </a:schemeClr>
+          </a:lnRef>
+          <a:fillRef idx="1">
+            <a:schemeClr val="accent1"/>
+          </a:fillRef>
+          <a:effectRef idx="0">
+            <a:schemeClr val="accent1"/>
+          </a:effectRef>
+          <a:fontRef idx="minor">
+            <a:schemeClr val="lt1"/>
+          </a:fontRef>
+        </p:style>
+        <p:txBody>
+          <a:bodyPr rtlCol="0" anchor="ctr"/>
+          <a:lstStyle/>
+          <a:p>
+            <a:pPr algn="ctr"/>
+            <a:r>
+              <a:rPr lang="fr-FR" sz="1000" dirty="0" smtClean="0">
+                <a:solidFill>
+                  <a:sysClr val="windowText" lastClr="000000"/>
+                </a:solidFill>
+              </a:rPr>
+              <a:t>Domaine de la modélisation</a:t>
+            </a:r>
+            <a:endParaRPr lang="fr-FR" sz="1000" dirty="0">
+              <a:solidFill>
+                <a:sysClr val="windowText" lastClr="000000"/>
+              </a:solidFill>
+            </a:endParaRPr>
+          </a:p>
+        </p:txBody>
+      </p:sp>
+      <p:sp>
+        <p:nvSpPr>
+          <p:cNvPr id="9" name="Rectangle 8"/>
+          <p:cNvSpPr/>
+          <p:nvPr/>
+        </p:nvSpPr>
+        <p:spPr>
+          <a:xfrm>
+            <a:off x="3779912" y="1981302"/>
+            <a:ext cx="1440160" cy="1519706"/>
+          </a:xfrm>
+          <a:prstGeom prst="rect">
+            <a:avLst/>
+          </a:prstGeom>
+          <a:solidFill>
+            <a:schemeClr val="accent2">
+              <a:lumMod val="20000"/>
+              <a:lumOff val="80000"/>
+            </a:schemeClr>
+          </a:solidFill>
+          <a:ln w="9525">
+            <a:solidFill>
+              <a:schemeClr val="accent2"/>
+            </a:solidFill>
+          </a:ln>
+        </p:spPr>
+        <p:style>
+          <a:lnRef idx="2">
+            <a:schemeClr val="accent1">
+              <a:shade val="50000"/>
+            </a:schemeClr>
+          </a:lnRef>
+          <a:fillRef idx="1">
+            <a:schemeClr val="accent1"/>
+          </a:fillRef>
+          <a:effectRef idx="0">
+            <a:schemeClr val="accent1"/>
+          </a:effectRef>
+          <a:fontRef idx="minor">
+            <a:schemeClr val="lt1"/>
+          </a:fontRef>
+        </p:style>
+        <p:txBody>
+          <a:bodyPr rtlCol="0" anchor="ctr"/>
+          <a:lstStyle/>
+          <a:p>
+            <a:pPr algn="ctr"/>
+            <a:endParaRPr lang="fr-FR" sz="1000" dirty="0">
+              <a:solidFill>
+                <a:sysClr val="windowText" lastClr="000000"/>
+              </a:solidFill>
+            </a:endParaRPr>
+          </a:p>
+        </p:txBody>
+      </p:sp>
+      <p:sp>
+        <p:nvSpPr>
+          <p:cNvPr id="10" name="Rectangle 9"/>
+          <p:cNvSpPr/>
+          <p:nvPr/>
+        </p:nvSpPr>
+        <p:spPr>
+          <a:xfrm>
+            <a:off x="3995936" y="2039568"/>
+            <a:ext cx="1008112" cy="1389432"/>
+          </a:xfrm>
+          <a:prstGeom prst="rect">
+            <a:avLst/>
+          </a:prstGeom>
+          <a:solidFill>
+            <a:schemeClr val="accent2">
+              <a:lumMod val="20000"/>
+              <a:lumOff val="80000"/>
+            </a:schemeClr>
+          </a:solidFill>
+          <a:ln w="9525">
+            <a:solidFill>
+              <a:schemeClr val="accent2"/>
+            </a:solidFill>
+          </a:ln>
+        </p:spPr>
+        <p:style>
+          <a:lnRef idx="2">
+            <a:schemeClr val="accent1">
+              <a:shade val="50000"/>
+            </a:schemeClr>
+          </a:lnRef>
+          <a:fillRef idx="1">
+            <a:schemeClr val="accent1"/>
+          </a:fillRef>
+          <a:effectRef idx="0">
+            <a:schemeClr val="accent1"/>
+          </a:effectRef>
+          <a:fontRef idx="minor">
+            <a:schemeClr val="lt1"/>
+          </a:fontRef>
+        </p:style>
+        <p:txBody>
+          <a:bodyPr rtlCol="0" anchor="t"/>
+          <a:lstStyle/>
+          <a:p>
+            <a:pPr algn="ctr"/>
+            <a:r>
+              <a:rPr lang="fr-FR" sz="1000" b="1" dirty="0" smtClean="0">
+                <a:solidFill>
+                  <a:sysClr val="windowText" lastClr="000000"/>
+                </a:solidFill>
+              </a:rPr>
+              <a:t>Couple moteur calculé</a:t>
+            </a:r>
+            <a:endParaRPr lang="fr-FR" sz="1000" b="1" dirty="0">
+              <a:solidFill>
+                <a:sysClr val="windowText" lastClr="000000"/>
+              </a:solidFill>
+            </a:endParaRPr>
+          </a:p>
+        </p:txBody>
+      </p:sp>
+      <p:pic>
+        <p:nvPicPr>
+          <p:cNvPr id="1029" name="Picture 5"/>
+          <p:cNvPicPr>
+            <a:picLocks noChangeAspect="1" noChangeArrowheads="1"/>
+          </p:cNvPicPr>
+          <p:nvPr/>
+        </p:nvPicPr>
+        <p:blipFill rotWithShape="1">
+          <a:blip r:embed="rId3" cstate="print">
+            <a:extLst>
+              <a:ext uri="{28A0092B-C50C-407E-A947-70E740481C1C}">
+                <a14:useLocalDpi xmlns:a14="http://schemas.microsoft.com/office/drawing/2010/main" val="0"/>
+              </a:ext>
+            </a:extLst>
+          </a:blip>
+          <a:srcRect t="40121" r="6833"/>
+          <a:stretch/>
+        </p:blipFill>
+        <p:spPr bwMode="auto">
+          <a:xfrm>
+            <a:off x="1023876" y="3044031"/>
+            <a:ext cx="1309687" cy="401638"/>
+          </a:xfrm>
+          <a:prstGeom prst="rect">
+            <a:avLst/>
+          </a:prstGeom>
+          <a:noFill/>
+          <a:ln>
+            <a:noFill/>
+          </a:ln>
+          <a:effectLst/>
+          <a:extLst>
+            <a:ext uri="{909E8E84-426E-40DD-AFC4-6F175D3DCCD1}">
+              <a14:hiddenFill xmlns:a14="http://schemas.microsoft.com/office/drawing/2010/main">
+                <a:solidFill>
+                  <a:schemeClr val="accent1"/>
+                </a:solidFill>
+              </a14:hiddenFill>
+            </a:ext>
+            <a:ext uri="{91240B29-F687-4F45-9708-019B960494DF}">
+              <a14:hiddenLine xmlns:a14="http://schemas.microsoft.com/office/drawing/2010/main" w="9525">
+                <a:solidFill>
+                  <a:schemeClr val="tx1"/>
+                </a:solidFill>
+                <a:miter lim="800000"/>
+                <a:headEnd/>
+                <a:tailEnd/>
+              </a14:hiddenLine>
+            </a:ext>
+            <a:ext uri="{AF507438-7753-43E0-B8FC-AC1667EBCBE1}">
+              <a14:hiddenEffects xmlns:a14="http://schemas.microsoft.com/office/drawing/2010/main">
+                <a:effectLst>
+                  <a:outerShdw dist="35921" dir="2700000" algn="ctr" rotWithShape="0">
+                    <a:schemeClr val="bg2"/>
+                  </a:outerShdw>
+                </a:effectLst>
+              </a14:hiddenEffects>
+            </a:ext>
+          </a:extLst>
+        </p:spPr>
+      </p:pic>
+      <p:cxnSp>
+        <p:nvCxnSpPr>
+          <p:cNvPr id="11" name="Connecteur droit avec flèche 10"/>
+          <p:cNvCxnSpPr>
+            <a:stCxn id="1026" idx="3"/>
+          </p:cNvCxnSpPr>
+          <p:nvPr/>
+        </p:nvCxnSpPr>
+        <p:spPr>
+          <a:xfrm>
+            <a:off x="2359484" y="2439379"/>
+            <a:ext cx="1636452" cy="0"/>
+          </a:xfrm>
+          <a:prstGeom prst="straightConnector1">
+            <a:avLst/>
+          </a:prstGeom>
+          <a:ln w="19050">
+            <a:solidFill>
+              <a:schemeClr val="accent2"/>
+            </a:solidFill>
+            <a:headEnd type="stealth" w="med" len="lg"/>
+            <a:tailEnd type="stealth" w="med" len="lg"/>
+          </a:ln>
+        </p:spPr>
+        <p:style>
+          <a:lnRef idx="1">
+            <a:schemeClr val="accent1"/>
+          </a:lnRef>
+          <a:fillRef idx="0">
+            <a:schemeClr val="accent1"/>
+          </a:fillRef>
+          <a:effectRef idx="0">
+            <a:schemeClr val="accent1"/>
+          </a:effectRef>
+          <a:fontRef idx="minor">
+            <a:schemeClr val="tx1"/>
+          </a:fontRef>
+        </p:style>
+      </p:cxnSp>
+      <p:sp>
+        <p:nvSpPr>
+          <p:cNvPr id="12" name="Rectangle 11"/>
+          <p:cNvSpPr/>
+          <p:nvPr/>
+        </p:nvSpPr>
+        <p:spPr>
+          <a:xfrm>
+            <a:off x="2517176" y="2143874"/>
+            <a:ext cx="1249060" cy="261610"/>
+          </a:xfrm>
+          <a:prstGeom prst="rect">
+            <a:avLst/>
+          </a:prstGeom>
+        </p:spPr>
+        <p:txBody>
+          <a:bodyPr wrap="none">
+            <a:spAutoFit/>
+          </a:bodyPr>
+          <a:lstStyle/>
+          <a:p>
+            <a:pPr algn="ctr"/>
+            <a:r>
+              <a:rPr lang="fr-FR" sz="1100" b="1" dirty="0" smtClean="0">
+                <a:solidFill>
+                  <a:sysClr val="windowText" lastClr="000000"/>
+                </a:solidFill>
+              </a:rPr>
+              <a:t>Exigence validée ?</a:t>
+            </a:r>
+            <a:endParaRPr lang="fr-FR" sz="1100" b="1" dirty="0">
+              <a:solidFill>
+                <a:sysClr val="windowText" lastClr="000000"/>
+              </a:solidFill>
+            </a:endParaRPr>
+          </a:p>
+        </p:txBody>
+      </p:sp>
+      <p:cxnSp>
+        <p:nvCxnSpPr>
+          <p:cNvPr id="18" name="Connecteur droit avec flèche 17"/>
+          <p:cNvCxnSpPr>
+            <a:stCxn id="1029" idx="3"/>
+          </p:cNvCxnSpPr>
+          <p:nvPr/>
+        </p:nvCxnSpPr>
+        <p:spPr>
+          <a:xfrm>
+            <a:off x="2333563" y="3244850"/>
+            <a:ext cx="1662373" cy="0"/>
+          </a:xfrm>
+          <a:prstGeom prst="straightConnector1">
+            <a:avLst/>
+          </a:prstGeom>
+          <a:ln w="19050">
+            <a:solidFill>
+              <a:schemeClr val="accent2"/>
+            </a:solidFill>
+            <a:headEnd type="stealth" w="med" len="lg"/>
+            <a:tailEnd type="stealth" w="med" len="lg"/>
+          </a:ln>
+        </p:spPr>
+        <p:style>
+          <a:lnRef idx="1">
+            <a:schemeClr val="accent1"/>
+          </a:lnRef>
+          <a:fillRef idx="0">
+            <a:schemeClr val="accent1"/>
+          </a:fillRef>
+          <a:effectRef idx="0">
+            <a:schemeClr val="accent1"/>
+          </a:effectRef>
+          <a:fontRef idx="minor">
+            <a:schemeClr val="tx1"/>
+          </a:fontRef>
+        </p:style>
+      </p:cxnSp>
+      <p:sp>
+        <p:nvSpPr>
+          <p:cNvPr id="24" name="Rectangle 23"/>
+          <p:cNvSpPr/>
+          <p:nvPr/>
+        </p:nvSpPr>
+        <p:spPr>
+          <a:xfrm>
+            <a:off x="2494486" y="2971117"/>
+            <a:ext cx="1300356" cy="261610"/>
+          </a:xfrm>
+          <a:prstGeom prst="rect">
+            <a:avLst/>
+          </a:prstGeom>
+        </p:spPr>
+        <p:txBody>
+          <a:bodyPr wrap="none">
+            <a:spAutoFit/>
+          </a:bodyPr>
+          <a:lstStyle/>
+          <a:p>
+            <a:pPr algn="ctr"/>
+            <a:r>
+              <a:rPr lang="fr-FR" sz="1100" b="1" dirty="0" smtClean="0">
+                <a:solidFill>
+                  <a:sysClr val="windowText" lastClr="000000"/>
+                </a:solidFill>
+              </a:rPr>
+              <a:t>Marge d’utilisation</a:t>
+            </a:r>
+            <a:endParaRPr lang="fr-FR" sz="1100" b="1" dirty="0">
+              <a:solidFill>
+                <a:sysClr val="windowText" lastClr="000000"/>
+              </a:solidFill>
+            </a:endParaRPr>
+          </a:p>
+        </p:txBody>
+      </p:sp>
+    </p:spTree>
+    <p:extLst>
+      <p:ext uri="{BB962C8B-B14F-4D97-AF65-F5344CB8AC3E}">
+        <p14:creationId xmlns:p14="http://schemas.microsoft.com/office/powerpoint/2010/main" val="2073312669"/>
       </p:ext>
     </p:extLst>
   </p:cSld>

--- a/Revisions_Statique/Fiche_01_Statique_3D_TD_01_MC2E_TODO/images/Figures.pptx
+++ b/Revisions_Statique/Fiche_01_Statique_3D_TD_01_MC2E_TODO/images/Figures.pptx
@@ -7,6 +7,8 @@
   <p:sldIdLst>
     <p:sldId id="256" r:id="rId2"/>
     <p:sldId id="257" r:id="rId3"/>
+    <p:sldId id="259" r:id="rId4"/>
+    <p:sldId id="258" r:id="rId5"/>
   </p:sldIdLst>
   <p:sldSz cx="9144000" cy="6858000" type="screen4x3"/>
   <p:notesSz cx="6858000" cy="9144000"/>
@@ -7514,6 +7516,3471 @@
 </p:sld>
 </file>
 
+<file path=ppt/slides/slide3.xml><?xml version="1.0" encoding="utf-8"?>
+<p:sld xmlns:a="http://schemas.openxmlformats.org/drawingml/2006/main" xmlns:r="http://schemas.openxmlformats.org/officeDocument/2006/relationships" xmlns:p="http://schemas.openxmlformats.org/presentationml/2006/main">
+  <p:cSld>
+    <p:spTree>
+      <p:nvGrpSpPr>
+        <p:cNvPr id="1" name=""/>
+        <p:cNvGrpSpPr/>
+        <p:nvPr/>
+      </p:nvGrpSpPr>
+      <p:grpSpPr>
+        <a:xfrm>
+          <a:off x="0" y="0"/>
+          <a:ext cx="0" cy="0"/>
+          <a:chOff x="0" y="0"/>
+          <a:chExt cx="0" cy="0"/>
+        </a:xfrm>
+      </p:grpSpPr>
+      <p:sp>
+        <p:nvSpPr>
+          <p:cNvPr id="5" name="Rectangle 4"/>
+          <p:cNvSpPr/>
+          <p:nvPr/>
+        </p:nvSpPr>
+        <p:spPr>
+          <a:xfrm>
+            <a:off x="971600" y="1628800"/>
+            <a:ext cx="1440160" cy="288032"/>
+          </a:xfrm>
+          <a:prstGeom prst="rect">
+            <a:avLst/>
+          </a:prstGeom>
+          <a:solidFill>
+            <a:schemeClr val="accent5">
+              <a:lumMod val="20000"/>
+              <a:lumOff val="80000"/>
+            </a:schemeClr>
+          </a:solidFill>
+          <a:ln w="9525">
+            <a:solidFill>
+              <a:schemeClr val="accent5">
+                <a:lumMod val="50000"/>
+              </a:schemeClr>
+            </a:solidFill>
+          </a:ln>
+        </p:spPr>
+        <p:style>
+          <a:lnRef idx="2">
+            <a:schemeClr val="accent1">
+              <a:shade val="50000"/>
+            </a:schemeClr>
+          </a:lnRef>
+          <a:fillRef idx="1">
+            <a:schemeClr val="accent1"/>
+          </a:fillRef>
+          <a:effectRef idx="0">
+            <a:schemeClr val="accent1"/>
+          </a:effectRef>
+          <a:fontRef idx="minor">
+            <a:schemeClr val="lt1"/>
+          </a:fontRef>
+        </p:style>
+        <p:txBody>
+          <a:bodyPr rtlCol="0" anchor="ctr"/>
+          <a:lstStyle/>
+          <a:p>
+            <a:pPr algn="ctr"/>
+            <a:r>
+              <a:rPr lang="fr-FR" sz="1000" dirty="0" smtClean="0">
+                <a:solidFill>
+                  <a:sysClr val="windowText" lastClr="000000"/>
+                </a:solidFill>
+              </a:rPr>
+              <a:t>Domaine du client</a:t>
+            </a:r>
+            <a:endParaRPr lang="fr-FR" sz="1000" dirty="0">
+              <a:solidFill>
+                <a:sysClr val="windowText" lastClr="000000"/>
+              </a:solidFill>
+            </a:endParaRPr>
+          </a:p>
+        </p:txBody>
+      </p:sp>
+      <p:sp>
+        <p:nvSpPr>
+          <p:cNvPr id="6" name="Rectangle 5"/>
+          <p:cNvSpPr/>
+          <p:nvPr/>
+        </p:nvSpPr>
+        <p:spPr>
+          <a:xfrm>
+            <a:off x="971600" y="1988840"/>
+            <a:ext cx="1440160" cy="1512168"/>
+          </a:xfrm>
+          <a:prstGeom prst="rect">
+            <a:avLst/>
+          </a:prstGeom>
+          <a:solidFill>
+            <a:schemeClr val="accent5">
+              <a:lumMod val="20000"/>
+              <a:lumOff val="80000"/>
+            </a:schemeClr>
+          </a:solidFill>
+          <a:ln w="9525">
+            <a:solidFill>
+              <a:schemeClr val="accent5">
+                <a:lumMod val="50000"/>
+              </a:schemeClr>
+            </a:solidFill>
+          </a:ln>
+        </p:spPr>
+        <p:style>
+          <a:lnRef idx="2">
+            <a:schemeClr val="accent1">
+              <a:shade val="50000"/>
+            </a:schemeClr>
+          </a:lnRef>
+          <a:fillRef idx="1">
+            <a:schemeClr val="accent1"/>
+          </a:fillRef>
+          <a:effectRef idx="0">
+            <a:schemeClr val="accent1"/>
+          </a:effectRef>
+          <a:fontRef idx="minor">
+            <a:schemeClr val="lt1"/>
+          </a:fontRef>
+        </p:style>
+        <p:txBody>
+          <a:bodyPr rtlCol="0" anchor="ctr"/>
+          <a:lstStyle/>
+          <a:p>
+            <a:pPr algn="ctr"/>
+            <a:endParaRPr lang="fr-FR" sz="1000" dirty="0">
+              <a:solidFill>
+                <a:sysClr val="windowText" lastClr="000000"/>
+              </a:solidFill>
+            </a:endParaRPr>
+          </a:p>
+        </p:txBody>
+      </p:sp>
+      <p:pic>
+        <p:nvPicPr>
+          <p:cNvPr id="1026" name="Picture 2"/>
+          <p:cNvPicPr>
+            <a:picLocks noChangeAspect="1" noChangeArrowheads="1"/>
+          </p:cNvPicPr>
+          <p:nvPr/>
+        </p:nvPicPr>
+        <p:blipFill>
+          <a:blip r:embed="rId2">
+            <a:extLst>
+              <a:ext uri="{28A0092B-C50C-407E-A947-70E740481C1C}">
+                <a14:useLocalDpi xmlns:a14="http://schemas.microsoft.com/office/drawing/2010/main" val="0"/>
+              </a:ext>
+            </a:extLst>
+          </a:blip>
+          <a:srcRect/>
+          <a:stretch>
+            <a:fillRect/>
+          </a:stretch>
+        </p:blipFill>
+        <p:spPr bwMode="auto">
+          <a:xfrm>
+            <a:off x="1023876" y="2003998"/>
+            <a:ext cx="1335608" cy="870762"/>
+          </a:xfrm>
+          <a:prstGeom prst="rect">
+            <a:avLst/>
+          </a:prstGeom>
+          <a:noFill/>
+          <a:ln>
+            <a:noFill/>
+          </a:ln>
+          <a:effectLst/>
+          <a:extLst>
+            <a:ext uri="{909E8E84-426E-40DD-AFC4-6F175D3DCCD1}">
+              <a14:hiddenFill xmlns:a14="http://schemas.microsoft.com/office/drawing/2010/main">
+                <a:solidFill>
+                  <a:schemeClr val="accent1"/>
+                </a:solidFill>
+              </a14:hiddenFill>
+            </a:ext>
+            <a:ext uri="{91240B29-F687-4F45-9708-019B960494DF}">
+              <a14:hiddenLine xmlns:a14="http://schemas.microsoft.com/office/drawing/2010/main" w="9525">
+                <a:solidFill>
+                  <a:schemeClr val="tx1"/>
+                </a:solidFill>
+                <a:miter lim="800000"/>
+                <a:headEnd/>
+                <a:tailEnd/>
+              </a14:hiddenLine>
+            </a:ext>
+            <a:ext uri="{AF507438-7753-43E0-B8FC-AC1667EBCBE1}">
+              <a14:hiddenEffects xmlns:a14="http://schemas.microsoft.com/office/drawing/2010/main">
+                <a:effectLst>
+                  <a:outerShdw dist="35921" dir="2700000" algn="ctr" rotWithShape="0">
+                    <a:schemeClr val="bg2"/>
+                  </a:outerShdw>
+                </a:effectLst>
+              </a14:hiddenEffects>
+            </a:ext>
+          </a:extLst>
+        </p:spPr>
+      </p:pic>
+      <p:sp>
+        <p:nvSpPr>
+          <p:cNvPr id="8" name="Rectangle 7"/>
+          <p:cNvSpPr/>
+          <p:nvPr/>
+        </p:nvSpPr>
+        <p:spPr>
+          <a:xfrm>
+            <a:off x="3779912" y="1628800"/>
+            <a:ext cx="1440160" cy="288032"/>
+          </a:xfrm>
+          <a:prstGeom prst="rect">
+            <a:avLst/>
+          </a:prstGeom>
+          <a:solidFill>
+            <a:schemeClr val="accent2">
+              <a:lumMod val="20000"/>
+              <a:lumOff val="80000"/>
+            </a:schemeClr>
+          </a:solidFill>
+          <a:ln w="9525">
+            <a:solidFill>
+              <a:schemeClr val="accent2"/>
+            </a:solidFill>
+          </a:ln>
+        </p:spPr>
+        <p:style>
+          <a:lnRef idx="2">
+            <a:schemeClr val="accent1">
+              <a:shade val="50000"/>
+            </a:schemeClr>
+          </a:lnRef>
+          <a:fillRef idx="1">
+            <a:schemeClr val="accent1"/>
+          </a:fillRef>
+          <a:effectRef idx="0">
+            <a:schemeClr val="accent1"/>
+          </a:effectRef>
+          <a:fontRef idx="minor">
+            <a:schemeClr val="lt1"/>
+          </a:fontRef>
+        </p:style>
+        <p:txBody>
+          <a:bodyPr rtlCol="0" anchor="ctr"/>
+          <a:lstStyle/>
+          <a:p>
+            <a:pPr algn="ctr"/>
+            <a:r>
+              <a:rPr lang="fr-FR" sz="1000" dirty="0" smtClean="0">
+                <a:solidFill>
+                  <a:sysClr val="windowText" lastClr="000000"/>
+                </a:solidFill>
+              </a:rPr>
+              <a:t>Domaine de la modélisation</a:t>
+            </a:r>
+            <a:endParaRPr lang="fr-FR" sz="1000" dirty="0">
+              <a:solidFill>
+                <a:sysClr val="windowText" lastClr="000000"/>
+              </a:solidFill>
+            </a:endParaRPr>
+          </a:p>
+        </p:txBody>
+      </p:sp>
+      <p:sp>
+        <p:nvSpPr>
+          <p:cNvPr id="9" name="Rectangle 8"/>
+          <p:cNvSpPr/>
+          <p:nvPr/>
+        </p:nvSpPr>
+        <p:spPr>
+          <a:xfrm>
+            <a:off x="3779912" y="1981302"/>
+            <a:ext cx="1440160" cy="1519706"/>
+          </a:xfrm>
+          <a:prstGeom prst="rect">
+            <a:avLst/>
+          </a:prstGeom>
+          <a:solidFill>
+            <a:schemeClr val="accent2">
+              <a:lumMod val="20000"/>
+              <a:lumOff val="80000"/>
+            </a:schemeClr>
+          </a:solidFill>
+          <a:ln w="9525">
+            <a:solidFill>
+              <a:schemeClr val="accent2"/>
+            </a:solidFill>
+          </a:ln>
+        </p:spPr>
+        <p:style>
+          <a:lnRef idx="2">
+            <a:schemeClr val="accent1">
+              <a:shade val="50000"/>
+            </a:schemeClr>
+          </a:lnRef>
+          <a:fillRef idx="1">
+            <a:schemeClr val="accent1"/>
+          </a:fillRef>
+          <a:effectRef idx="0">
+            <a:schemeClr val="accent1"/>
+          </a:effectRef>
+          <a:fontRef idx="minor">
+            <a:schemeClr val="lt1"/>
+          </a:fontRef>
+        </p:style>
+        <p:txBody>
+          <a:bodyPr rtlCol="0" anchor="ctr"/>
+          <a:lstStyle/>
+          <a:p>
+            <a:pPr algn="ctr"/>
+            <a:endParaRPr lang="fr-FR" sz="1000" dirty="0">
+              <a:solidFill>
+                <a:sysClr val="windowText" lastClr="000000"/>
+              </a:solidFill>
+            </a:endParaRPr>
+          </a:p>
+        </p:txBody>
+      </p:sp>
+      <mc:AlternateContent xmlns:mc="http://schemas.openxmlformats.org/markup-compatibility/2006">
+        <mc:Choice xmlns:a14="http://schemas.microsoft.com/office/drawing/2010/main" Requires="a14">
+          <p:sp>
+            <p:nvSpPr>
+              <p:cNvPr id="10" name="Rectangle 9"/>
+              <p:cNvSpPr/>
+              <p:nvPr/>
+            </p:nvSpPr>
+            <p:spPr>
+              <a:xfrm>
+                <a:off x="3995936" y="2039568"/>
+                <a:ext cx="1008112" cy="1389432"/>
+              </a:xfrm>
+              <a:prstGeom prst="rect">
+                <a:avLst/>
+              </a:prstGeom>
+              <a:solidFill>
+                <a:schemeClr val="accent2">
+                  <a:lumMod val="20000"/>
+                  <a:lumOff val="80000"/>
+                </a:schemeClr>
+              </a:solidFill>
+              <a:ln w="9525">
+                <a:solidFill>
+                  <a:schemeClr val="accent2"/>
+                </a:solidFill>
+              </a:ln>
+            </p:spPr>
+            <p:style>
+              <a:lnRef idx="2">
+                <a:schemeClr val="accent1">
+                  <a:shade val="50000"/>
+                </a:schemeClr>
+              </a:lnRef>
+              <a:fillRef idx="1">
+                <a:schemeClr val="accent1"/>
+              </a:fillRef>
+              <a:effectRef idx="0">
+                <a:schemeClr val="accent1"/>
+              </a:effectRef>
+              <a:fontRef idx="minor">
+                <a:schemeClr val="lt1"/>
+              </a:fontRef>
+            </p:style>
+            <p:txBody>
+              <a:bodyPr rtlCol="0" anchor="t"/>
+              <a:lstStyle/>
+              <a:p>
+                <a:pPr algn="ctr"/>
+                <a:r>
+                  <a:rPr lang="fr-FR" sz="1000" b="1" dirty="0" smtClean="0">
+                    <a:solidFill>
+                      <a:sysClr val="windowText" lastClr="000000"/>
+                    </a:solidFill>
+                  </a:rPr>
+                  <a:t>Couple moteur calculé</a:t>
+                </a:r>
+              </a:p>
+              <a:p>
+                <a:pPr algn="ctr"/>
+                <a:endParaRPr lang="fr-FR" sz="1000" b="1" dirty="0" smtClean="0">
+                  <a:solidFill>
+                    <a:sysClr val="windowText" lastClr="000000"/>
+                  </a:solidFill>
+                </a:endParaRPr>
+              </a:p>
+              <a:p>
+                <a:pPr algn="ctr"/>
+                <a14:m>
+                  <m:oMathPara xmlns:m="http://schemas.openxmlformats.org/officeDocument/2006/math">
+                    <m:oMathParaPr>
+                      <m:jc m:val="centerGroup"/>
+                    </m:oMathParaPr>
+                    <m:oMath xmlns:m="http://schemas.openxmlformats.org/officeDocument/2006/math">
+                      <m:f>
+                        <m:fPr>
+                          <m:ctrlPr>
+                            <a:rPr lang="fr-FR" sz="1000" b="1" i="1" smtClean="0">
+                              <a:solidFill>
+                                <a:sysClr val="windowText" lastClr="000000"/>
+                              </a:solidFill>
+                              <a:latin typeface="Cambria Math"/>
+                            </a:rPr>
+                          </m:ctrlPr>
+                        </m:fPr>
+                        <m:num>
+                          <m:r>
+                            <a:rPr lang="fr-FR" sz="1000" b="1" i="1" smtClean="0">
+                              <a:solidFill>
+                                <a:sysClr val="windowText" lastClr="000000"/>
+                              </a:solidFill>
+                              <a:latin typeface="Cambria Math"/>
+                            </a:rPr>
+                            <m:t>𝟎</m:t>
+                          </m:r>
+                          <m:r>
+                            <a:rPr lang="fr-FR" sz="1000" b="1" i="1" smtClean="0">
+                              <a:solidFill>
+                                <a:sysClr val="windowText" lastClr="000000"/>
+                              </a:solidFill>
+                              <a:latin typeface="Cambria Math"/>
+                            </a:rPr>
+                            <m:t>,</m:t>
+                          </m:r>
+                          <m:r>
+                            <a:rPr lang="fr-FR" sz="1000" b="1" i="1" smtClean="0">
+                              <a:solidFill>
+                                <a:sysClr val="windowText" lastClr="000000"/>
+                              </a:solidFill>
+                              <a:latin typeface="Cambria Math"/>
+                            </a:rPr>
+                            <m:t>𝟒</m:t>
+                          </m:r>
+                        </m:num>
+                        <m:den>
+                          <m:r>
+                            <a:rPr lang="fr-FR" sz="1000" b="1" i="1" smtClean="0">
+                              <a:solidFill>
+                                <a:sysClr val="windowText" lastClr="000000"/>
+                              </a:solidFill>
+                              <a:latin typeface="Cambria Math"/>
+                            </a:rPr>
+                            <m:t>𝟔𝟔</m:t>
+                          </m:r>
+                        </m:den>
+                      </m:f>
+                      <m:r>
+                        <a:rPr lang="fr-FR" sz="1000" b="1" i="1" smtClean="0">
+                          <a:solidFill>
+                            <a:sysClr val="windowText" lastClr="000000"/>
+                          </a:solidFill>
+                          <a:latin typeface="Cambria Math"/>
+                        </a:rPr>
+                        <m:t>=</m:t>
+                      </m:r>
+                      <m:r>
+                        <a:rPr lang="fr-FR" sz="1000" b="1" i="1" smtClean="0">
+                          <a:solidFill>
+                            <a:sysClr val="windowText" lastClr="000000"/>
+                          </a:solidFill>
+                          <a:latin typeface="Cambria Math"/>
+                        </a:rPr>
+                        <m:t>𝟔</m:t>
+                      </m:r>
+                      <m:r>
+                        <a:rPr lang="fr-FR" sz="1000" b="1" i="0" smtClean="0">
+                          <a:solidFill>
+                            <a:sysClr val="windowText" lastClr="000000"/>
+                          </a:solidFill>
+                          <a:latin typeface="Cambria Math"/>
+                        </a:rPr>
+                        <m:t>𝐦𝐍𝐦</m:t>
+                      </m:r>
+                    </m:oMath>
+                  </m:oMathPara>
+                </a14:m>
+                <a:endParaRPr lang="fr-FR" sz="1000" b="1" dirty="0">
+                  <a:solidFill>
+                    <a:sysClr val="windowText" lastClr="000000"/>
+                  </a:solidFill>
+                </a:endParaRPr>
+              </a:p>
+            </p:txBody>
+          </p:sp>
+        </mc:Choice>
+        <mc:Fallback>
+          <p:sp>
+            <p:nvSpPr>
+              <p:cNvPr id="10" name="Rectangle 9"/>
+              <p:cNvSpPr>
+                <a:spLocks noRot="1" noChangeAspect="1" noMove="1" noResize="1" noEditPoints="1" noAdjustHandles="1" noChangeArrowheads="1" noChangeShapeType="1" noTextEdit="1"/>
+              </p:cNvSpPr>
+              <p:nvPr/>
+            </p:nvSpPr>
+            <p:spPr>
+              <a:xfrm>
+                <a:off x="3995936" y="2039568"/>
+                <a:ext cx="1008112" cy="1389432"/>
+              </a:xfrm>
+              <a:prstGeom prst="rect">
+                <a:avLst/>
+              </a:prstGeom>
+              <a:blipFill rotWithShape="1">
+                <a:blip r:embed="rId3"/>
+                <a:stretch>
+                  <a:fillRect/>
+                </a:stretch>
+              </a:blipFill>
+              <a:ln w="9525">
+                <a:solidFill>
+                  <a:schemeClr val="accent2"/>
+                </a:solidFill>
+              </a:ln>
+            </p:spPr>
+            <p:txBody>
+              <a:bodyPr/>
+              <a:lstStyle/>
+              <a:p>
+                <a:r>
+                  <a:rPr lang="fr-FR">
+                    <a:noFill/>
+                  </a:rPr>
+                  <a:t> </a:t>
+                </a:r>
+              </a:p>
+            </p:txBody>
+          </p:sp>
+        </mc:Fallback>
+      </mc:AlternateContent>
+      <p:pic>
+        <p:nvPicPr>
+          <p:cNvPr id="1029" name="Picture 5"/>
+          <p:cNvPicPr>
+            <a:picLocks noChangeAspect="1" noChangeArrowheads="1"/>
+          </p:cNvPicPr>
+          <p:nvPr/>
+        </p:nvPicPr>
+        <p:blipFill rotWithShape="1">
+          <a:blip r:embed="rId4" cstate="print">
+            <a:extLst>
+              <a:ext uri="{28A0092B-C50C-407E-A947-70E740481C1C}">
+                <a14:useLocalDpi xmlns:a14="http://schemas.microsoft.com/office/drawing/2010/main" val="0"/>
+              </a:ext>
+            </a:extLst>
+          </a:blip>
+          <a:srcRect t="40121" r="6833"/>
+          <a:stretch/>
+        </p:blipFill>
+        <p:spPr bwMode="auto">
+          <a:xfrm>
+            <a:off x="1023876" y="3044031"/>
+            <a:ext cx="1309687" cy="401638"/>
+          </a:xfrm>
+          <a:prstGeom prst="rect">
+            <a:avLst/>
+          </a:prstGeom>
+          <a:noFill/>
+          <a:ln>
+            <a:noFill/>
+          </a:ln>
+          <a:effectLst/>
+          <a:extLst>
+            <a:ext uri="{909E8E84-426E-40DD-AFC4-6F175D3DCCD1}">
+              <a14:hiddenFill xmlns:a14="http://schemas.microsoft.com/office/drawing/2010/main">
+                <a:solidFill>
+                  <a:schemeClr val="accent1"/>
+                </a:solidFill>
+              </a14:hiddenFill>
+            </a:ext>
+            <a:ext uri="{91240B29-F687-4F45-9708-019B960494DF}">
+              <a14:hiddenLine xmlns:a14="http://schemas.microsoft.com/office/drawing/2010/main" w="9525">
+                <a:solidFill>
+                  <a:schemeClr val="tx1"/>
+                </a:solidFill>
+                <a:miter lim="800000"/>
+                <a:headEnd/>
+                <a:tailEnd/>
+              </a14:hiddenLine>
+            </a:ext>
+            <a:ext uri="{AF507438-7753-43E0-B8FC-AC1667EBCBE1}">
+              <a14:hiddenEffects xmlns:a14="http://schemas.microsoft.com/office/drawing/2010/main">
+                <a:effectLst>
+                  <a:outerShdw dist="35921" dir="2700000" algn="ctr" rotWithShape="0">
+                    <a:schemeClr val="bg2"/>
+                  </a:outerShdw>
+                </a:effectLst>
+              </a14:hiddenEffects>
+            </a:ext>
+          </a:extLst>
+        </p:spPr>
+      </p:pic>
+      <p:cxnSp>
+        <p:nvCxnSpPr>
+          <p:cNvPr id="11" name="Connecteur droit avec flèche 10"/>
+          <p:cNvCxnSpPr>
+            <a:stCxn id="1026" idx="3"/>
+          </p:cNvCxnSpPr>
+          <p:nvPr/>
+        </p:nvCxnSpPr>
+        <p:spPr>
+          <a:xfrm>
+            <a:off x="2359484" y="2439379"/>
+            <a:ext cx="1636452" cy="0"/>
+          </a:xfrm>
+          <a:prstGeom prst="straightConnector1">
+            <a:avLst/>
+          </a:prstGeom>
+          <a:ln w="19050">
+            <a:solidFill>
+              <a:schemeClr val="accent2"/>
+            </a:solidFill>
+            <a:headEnd type="stealth" w="med" len="lg"/>
+            <a:tailEnd type="stealth" w="med" len="lg"/>
+          </a:ln>
+        </p:spPr>
+        <p:style>
+          <a:lnRef idx="1">
+            <a:schemeClr val="accent1"/>
+          </a:lnRef>
+          <a:fillRef idx="0">
+            <a:schemeClr val="accent1"/>
+          </a:fillRef>
+          <a:effectRef idx="0">
+            <a:schemeClr val="accent1"/>
+          </a:effectRef>
+          <a:fontRef idx="minor">
+            <a:schemeClr val="tx1"/>
+          </a:fontRef>
+        </p:style>
+      </p:cxnSp>
+      <p:sp>
+        <p:nvSpPr>
+          <p:cNvPr id="12" name="Rectangle 11"/>
+          <p:cNvSpPr/>
+          <p:nvPr/>
+        </p:nvSpPr>
+        <p:spPr>
+          <a:xfrm>
+            <a:off x="2550037" y="2143874"/>
+            <a:ext cx="1183336" cy="600164"/>
+          </a:xfrm>
+          <a:prstGeom prst="rect">
+            <a:avLst/>
+          </a:prstGeom>
+        </p:spPr>
+        <p:txBody>
+          <a:bodyPr wrap="none">
+            <a:spAutoFit/>
+          </a:bodyPr>
+          <a:lstStyle/>
+          <a:p>
+            <a:pPr algn="ctr"/>
+            <a:r>
+              <a:rPr lang="fr-FR" sz="1100" b="1" dirty="0" smtClean="0">
+                <a:solidFill>
+                  <a:sysClr val="windowText" lastClr="000000"/>
+                </a:solidFill>
+              </a:rPr>
+              <a:t>Exigence validée </a:t>
+            </a:r>
+            <a:endParaRPr lang="fr-FR" sz="1100" b="1" dirty="0" smtClean="0">
+              <a:solidFill>
+                <a:sysClr val="windowText" lastClr="000000"/>
+              </a:solidFill>
+            </a:endParaRPr>
+          </a:p>
+          <a:p>
+            <a:pPr algn="ctr"/>
+            <a:endParaRPr lang="fr-FR" sz="1100" b="1" dirty="0">
+              <a:solidFill>
+                <a:sysClr val="windowText" lastClr="000000"/>
+              </a:solidFill>
+            </a:endParaRPr>
+          </a:p>
+          <a:p>
+            <a:pPr algn="ctr"/>
+            <a:r>
+              <a:rPr lang="fr-FR" sz="1100" b="1" dirty="0" smtClean="0">
+                <a:solidFill>
+                  <a:sysClr val="windowText" lastClr="000000"/>
+                </a:solidFill>
+              </a:rPr>
+              <a:t>OUI</a:t>
+            </a:r>
+            <a:endParaRPr lang="fr-FR" sz="1100" b="1" dirty="0">
+              <a:solidFill>
+                <a:sysClr val="windowText" lastClr="000000"/>
+              </a:solidFill>
+            </a:endParaRPr>
+          </a:p>
+        </p:txBody>
+      </p:sp>
+      <p:cxnSp>
+        <p:nvCxnSpPr>
+          <p:cNvPr id="18" name="Connecteur droit avec flèche 17"/>
+          <p:cNvCxnSpPr>
+            <a:stCxn id="1029" idx="3"/>
+          </p:cNvCxnSpPr>
+          <p:nvPr/>
+        </p:nvCxnSpPr>
+        <p:spPr>
+          <a:xfrm>
+            <a:off x="2333563" y="3244850"/>
+            <a:ext cx="1662373" cy="0"/>
+          </a:xfrm>
+          <a:prstGeom prst="straightConnector1">
+            <a:avLst/>
+          </a:prstGeom>
+          <a:ln w="19050">
+            <a:solidFill>
+              <a:schemeClr val="accent2"/>
+            </a:solidFill>
+            <a:headEnd type="stealth" w="med" len="lg"/>
+            <a:tailEnd type="stealth" w="med" len="lg"/>
+          </a:ln>
+        </p:spPr>
+        <p:style>
+          <a:lnRef idx="1">
+            <a:schemeClr val="accent1"/>
+          </a:lnRef>
+          <a:fillRef idx="0">
+            <a:schemeClr val="accent1"/>
+          </a:fillRef>
+          <a:effectRef idx="0">
+            <a:schemeClr val="accent1"/>
+          </a:effectRef>
+          <a:fontRef idx="minor">
+            <a:schemeClr val="tx1"/>
+          </a:fontRef>
+        </p:style>
+      </p:cxnSp>
+      <p:sp>
+        <p:nvSpPr>
+          <p:cNvPr id="24" name="Rectangle 23"/>
+          <p:cNvSpPr/>
+          <p:nvPr/>
+        </p:nvSpPr>
+        <p:spPr>
+          <a:xfrm>
+            <a:off x="2494486" y="2971117"/>
+            <a:ext cx="1300356" cy="261610"/>
+          </a:xfrm>
+          <a:prstGeom prst="rect">
+            <a:avLst/>
+          </a:prstGeom>
+        </p:spPr>
+        <p:txBody>
+          <a:bodyPr wrap="none">
+            <a:spAutoFit/>
+          </a:bodyPr>
+          <a:lstStyle/>
+          <a:p>
+            <a:pPr algn="ctr"/>
+            <a:r>
+              <a:rPr lang="fr-FR" sz="1100" b="1" dirty="0" smtClean="0">
+                <a:solidFill>
+                  <a:sysClr val="windowText" lastClr="000000"/>
+                </a:solidFill>
+              </a:rPr>
+              <a:t>Marge d’utilisation</a:t>
+            </a:r>
+            <a:endParaRPr lang="fr-FR" sz="1100" b="1" dirty="0">
+              <a:solidFill>
+                <a:sysClr val="windowText" lastClr="000000"/>
+              </a:solidFill>
+            </a:endParaRPr>
+          </a:p>
+        </p:txBody>
+      </p:sp>
+      <mc:AlternateContent xmlns:mc="http://schemas.openxmlformats.org/markup-compatibility/2006">
+        <mc:Choice xmlns:a14="http://schemas.microsoft.com/office/drawing/2010/main" Requires="a14">
+          <p:sp>
+            <p:nvSpPr>
+              <p:cNvPr id="2" name="Rectangle 1"/>
+              <p:cNvSpPr/>
+              <p:nvPr/>
+            </p:nvSpPr>
+            <p:spPr>
+              <a:xfrm>
+                <a:off x="2011933" y="3284984"/>
+                <a:ext cx="2259544" cy="1015663"/>
+              </a:xfrm>
+              <a:prstGeom prst="rect">
+                <a:avLst/>
+              </a:prstGeom>
+            </p:spPr>
+            <p:txBody>
+              <a:bodyPr wrap="square">
+                <a:spAutoFit/>
+              </a:bodyPr>
+              <a:lstStyle/>
+              <a:p>
+                <a:pPr algn="ctr"/>
+                <a14:m>
+                  <m:oMathPara xmlns:m="http://schemas.openxmlformats.org/officeDocument/2006/math">
+                    <m:oMathParaPr>
+                      <m:jc m:val="centerGroup"/>
+                    </m:oMathParaPr>
+                    <m:oMath xmlns:m="http://schemas.openxmlformats.org/officeDocument/2006/math">
+                      <m:r>
+                        <a:rPr lang="fr-FR" sz="1200" b="1" i="0" smtClean="0">
+                          <a:solidFill>
+                            <a:sysClr val="windowText" lastClr="000000"/>
+                          </a:solidFill>
+                          <a:latin typeface="Cambria Math"/>
+                        </a:rPr>
+                        <m:t>𝟏𝟎</m:t>
+                      </m:r>
+                      <m:r>
+                        <a:rPr lang="fr-FR" sz="1200" b="1">
+                          <a:solidFill>
+                            <a:sysClr val="windowText" lastClr="000000"/>
+                          </a:solidFill>
+                          <a:latin typeface="Cambria Math"/>
+                        </a:rPr>
+                        <m:t>𝐦𝐍𝐦</m:t>
+                      </m:r>
+                    </m:oMath>
+                  </m:oMathPara>
+                </a14:m>
+                <a:endParaRPr lang="fr-FR" sz="1200" b="1" dirty="0" smtClean="0">
+                  <a:solidFill>
+                    <a:sysClr val="windowText" lastClr="000000"/>
+                  </a:solidFill>
+                </a:endParaRPr>
+              </a:p>
+              <a:p>
+                <a:pPr algn="ctr"/>
+                <a:r>
+                  <a:rPr lang="fr-FR" sz="1200" b="1" dirty="0" smtClean="0">
+                    <a:solidFill>
+                      <a:sysClr val="windowText" lastClr="000000"/>
+                    </a:solidFill>
+                  </a:rPr>
+                  <a:t>Le couple étant calculé dans une configuration particulière, un couple supérieur peut être nécessaire.</a:t>
+                </a:r>
+                <a:endParaRPr lang="fr-FR" sz="1200" b="1" dirty="0">
+                  <a:solidFill>
+                    <a:sysClr val="windowText" lastClr="000000"/>
+                  </a:solidFill>
+                </a:endParaRPr>
+              </a:p>
+            </p:txBody>
+          </p:sp>
+        </mc:Choice>
+        <mc:Fallback>
+          <p:sp>
+            <p:nvSpPr>
+              <p:cNvPr id="2" name="Rectangle 1"/>
+              <p:cNvSpPr>
+                <a:spLocks noRot="1" noChangeAspect="1" noMove="1" noResize="1" noEditPoints="1" noAdjustHandles="1" noChangeArrowheads="1" noChangeShapeType="1" noTextEdit="1"/>
+              </p:cNvSpPr>
+              <p:nvPr/>
+            </p:nvSpPr>
+            <p:spPr>
+              <a:xfrm>
+                <a:off x="2011933" y="3284984"/>
+                <a:ext cx="2259544" cy="1015663"/>
+              </a:xfrm>
+              <a:prstGeom prst="rect">
+                <a:avLst/>
+              </a:prstGeom>
+              <a:blipFill rotWithShape="1">
+                <a:blip r:embed="rId5"/>
+                <a:stretch>
+                  <a:fillRect r="-1078" b="-4217"/>
+                </a:stretch>
+              </a:blipFill>
+            </p:spPr>
+            <p:txBody>
+              <a:bodyPr/>
+              <a:lstStyle/>
+              <a:p>
+                <a:r>
+                  <a:rPr lang="fr-FR">
+                    <a:noFill/>
+                  </a:rPr>
+                  <a:t> </a:t>
+                </a:r>
+              </a:p>
+            </p:txBody>
+          </p:sp>
+        </mc:Fallback>
+      </mc:AlternateContent>
+    </p:spTree>
+    <p:extLst>
+      <p:ext uri="{BB962C8B-B14F-4D97-AF65-F5344CB8AC3E}">
+        <p14:creationId xmlns:p14="http://schemas.microsoft.com/office/powerpoint/2010/main" val="3184664115"/>
+      </p:ext>
+    </p:extLst>
+  </p:cSld>
+  <p:clrMapOvr>
+    <a:masterClrMapping/>
+  </p:clrMapOvr>
+</p:sld>
+</file>
+
+<file path=ppt/slides/slide4.xml><?xml version="1.0" encoding="utf-8"?>
+<p:sld xmlns:a="http://schemas.openxmlformats.org/drawingml/2006/main" xmlns:r="http://schemas.openxmlformats.org/officeDocument/2006/relationships" xmlns:p="http://schemas.openxmlformats.org/presentationml/2006/main">
+  <p:cSld>
+    <p:spTree>
+      <p:nvGrpSpPr>
+        <p:cNvPr id="1" name=""/>
+        <p:cNvGrpSpPr/>
+        <p:nvPr/>
+      </p:nvGrpSpPr>
+      <p:grpSpPr>
+        <a:xfrm>
+          <a:off x="0" y="0"/>
+          <a:ext cx="0" cy="0"/>
+          <a:chOff x="0" y="0"/>
+          <a:chExt cx="0" cy="0"/>
+        </a:xfrm>
+      </p:grpSpPr>
+      <p:sp>
+        <p:nvSpPr>
+          <p:cNvPr id="4" name="Ellipse 3"/>
+          <p:cNvSpPr/>
+          <p:nvPr/>
+        </p:nvSpPr>
+        <p:spPr>
+          <a:xfrm>
+            <a:off x="1061610" y="1813199"/>
+            <a:ext cx="288032" cy="288032"/>
+          </a:xfrm>
+          <a:prstGeom prst="ellipse">
+            <a:avLst/>
+          </a:prstGeom>
+          <a:solidFill>
+            <a:schemeClr val="accent4">
+              <a:lumMod val="20000"/>
+              <a:lumOff val="80000"/>
+            </a:schemeClr>
+          </a:solidFill>
+          <a:ln w="19050">
+            <a:solidFill>
+              <a:schemeClr val="accent4"/>
+            </a:solidFill>
+          </a:ln>
+        </p:spPr>
+        <p:style>
+          <a:lnRef idx="2">
+            <a:schemeClr val="accent1">
+              <a:shade val="50000"/>
+            </a:schemeClr>
+          </a:lnRef>
+          <a:fillRef idx="1">
+            <a:schemeClr val="accent1"/>
+          </a:fillRef>
+          <a:effectRef idx="0">
+            <a:schemeClr val="accent1"/>
+          </a:effectRef>
+          <a:fontRef idx="minor">
+            <a:schemeClr val="lt1"/>
+          </a:fontRef>
+        </p:style>
+        <p:txBody>
+          <a:bodyPr rtlCol="0" anchor="ctr"/>
+          <a:lstStyle/>
+          <a:p>
+            <a:pPr algn="ctr"/>
+            <a:r>
+              <a:rPr lang="fr-FR" sz="1400" b="1" dirty="0" smtClean="0">
+                <a:solidFill>
+                  <a:schemeClr val="accent4"/>
+                </a:solidFill>
+              </a:rPr>
+              <a:t>1</a:t>
+            </a:r>
+            <a:endParaRPr lang="fr-FR" sz="1400" b="1" dirty="0">
+              <a:solidFill>
+                <a:schemeClr val="accent4"/>
+              </a:solidFill>
+            </a:endParaRPr>
+          </a:p>
+        </p:txBody>
+      </p:sp>
+      <p:sp>
+        <p:nvSpPr>
+          <p:cNvPr id="5" name="Ellipse 4"/>
+          <p:cNvSpPr/>
+          <p:nvPr/>
+        </p:nvSpPr>
+        <p:spPr>
+          <a:xfrm>
+            <a:off x="1799692" y="1813199"/>
+            <a:ext cx="288032" cy="288032"/>
+          </a:xfrm>
+          <a:prstGeom prst="ellipse">
+            <a:avLst/>
+          </a:prstGeom>
+          <a:solidFill>
+            <a:schemeClr val="accent2">
+              <a:lumMod val="20000"/>
+              <a:lumOff val="80000"/>
+            </a:schemeClr>
+          </a:solidFill>
+          <a:ln w="19050">
+            <a:solidFill>
+              <a:schemeClr val="accent2"/>
+            </a:solidFill>
+          </a:ln>
+        </p:spPr>
+        <p:style>
+          <a:lnRef idx="2">
+            <a:schemeClr val="accent1">
+              <a:shade val="50000"/>
+            </a:schemeClr>
+          </a:lnRef>
+          <a:fillRef idx="1">
+            <a:schemeClr val="accent1"/>
+          </a:fillRef>
+          <a:effectRef idx="0">
+            <a:schemeClr val="accent1"/>
+          </a:effectRef>
+          <a:fontRef idx="minor">
+            <a:schemeClr val="lt1"/>
+          </a:fontRef>
+        </p:style>
+        <p:txBody>
+          <a:bodyPr rtlCol="0" anchor="ctr"/>
+          <a:lstStyle/>
+          <a:p>
+            <a:pPr algn="ctr"/>
+            <a:r>
+              <a:rPr lang="fr-FR" sz="1400" b="1" dirty="0">
+                <a:solidFill>
+                  <a:schemeClr val="accent2"/>
+                </a:solidFill>
+              </a:rPr>
+              <a:t>2</a:t>
+            </a:r>
+          </a:p>
+        </p:txBody>
+      </p:sp>
+      <p:sp>
+        <p:nvSpPr>
+          <p:cNvPr id="6" name="Ellipse 5"/>
+          <p:cNvSpPr/>
+          <p:nvPr/>
+        </p:nvSpPr>
+        <p:spPr>
+          <a:xfrm>
+            <a:off x="2537774" y="1813199"/>
+            <a:ext cx="288032" cy="288032"/>
+          </a:xfrm>
+          <a:prstGeom prst="ellipse">
+            <a:avLst/>
+          </a:prstGeom>
+          <a:solidFill>
+            <a:schemeClr val="accent3">
+              <a:lumMod val="20000"/>
+              <a:lumOff val="80000"/>
+            </a:schemeClr>
+          </a:solidFill>
+          <a:ln w="19050">
+            <a:solidFill>
+              <a:schemeClr val="accent3"/>
+            </a:solidFill>
+          </a:ln>
+        </p:spPr>
+        <p:style>
+          <a:lnRef idx="2">
+            <a:schemeClr val="accent1">
+              <a:shade val="50000"/>
+            </a:schemeClr>
+          </a:lnRef>
+          <a:fillRef idx="1">
+            <a:schemeClr val="accent1"/>
+          </a:fillRef>
+          <a:effectRef idx="0">
+            <a:schemeClr val="accent1"/>
+          </a:effectRef>
+          <a:fontRef idx="minor">
+            <a:schemeClr val="lt1"/>
+          </a:fontRef>
+        </p:style>
+        <p:txBody>
+          <a:bodyPr rtlCol="0" anchor="ctr"/>
+          <a:lstStyle/>
+          <a:p>
+            <a:pPr algn="ctr"/>
+            <a:r>
+              <a:rPr lang="fr-FR" sz="1400" b="1" dirty="0" smtClean="0">
+                <a:solidFill>
+                  <a:schemeClr val="accent3"/>
+                </a:solidFill>
+              </a:rPr>
+              <a:t>3</a:t>
+            </a:r>
+            <a:endParaRPr lang="fr-FR" sz="1400" b="1" dirty="0">
+              <a:solidFill>
+                <a:schemeClr val="accent3"/>
+              </a:solidFill>
+            </a:endParaRPr>
+          </a:p>
+        </p:txBody>
+      </p:sp>
+      <p:sp>
+        <p:nvSpPr>
+          <p:cNvPr id="7" name="Ellipse 6"/>
+          <p:cNvSpPr/>
+          <p:nvPr/>
+        </p:nvSpPr>
+        <p:spPr>
+          <a:xfrm>
+            <a:off x="3275856" y="1813199"/>
+            <a:ext cx="288032" cy="288032"/>
+          </a:xfrm>
+          <a:prstGeom prst="ellipse">
+            <a:avLst/>
+          </a:prstGeom>
+          <a:solidFill>
+            <a:schemeClr val="bg1">
+              <a:lumMod val="85000"/>
+            </a:schemeClr>
+          </a:solidFill>
+          <a:ln w="19050">
+            <a:solidFill>
+              <a:schemeClr val="tx1"/>
+            </a:solidFill>
+          </a:ln>
+        </p:spPr>
+        <p:style>
+          <a:lnRef idx="2">
+            <a:schemeClr val="accent1">
+              <a:shade val="50000"/>
+            </a:schemeClr>
+          </a:lnRef>
+          <a:fillRef idx="1">
+            <a:schemeClr val="accent1"/>
+          </a:fillRef>
+          <a:effectRef idx="0">
+            <a:schemeClr val="accent1"/>
+          </a:effectRef>
+          <a:fontRef idx="minor">
+            <a:schemeClr val="lt1"/>
+          </a:fontRef>
+        </p:style>
+        <p:txBody>
+          <a:bodyPr rtlCol="0" anchor="ctr"/>
+          <a:lstStyle/>
+          <a:p>
+            <a:pPr algn="ctr"/>
+            <a:r>
+              <a:rPr lang="fr-FR" sz="1400" b="1" dirty="0" smtClean="0">
+                <a:solidFill>
+                  <a:schemeClr val="tx1"/>
+                </a:solidFill>
+              </a:rPr>
+              <a:t>4</a:t>
+            </a:r>
+            <a:endParaRPr lang="fr-FR" sz="1400" b="1" dirty="0">
+              <a:solidFill>
+                <a:schemeClr val="tx1"/>
+              </a:solidFill>
+            </a:endParaRPr>
+          </a:p>
+        </p:txBody>
+      </p:sp>
+      <p:sp>
+        <p:nvSpPr>
+          <p:cNvPr id="8" name="Ellipse 7"/>
+          <p:cNvSpPr/>
+          <p:nvPr/>
+        </p:nvSpPr>
+        <p:spPr>
+          <a:xfrm>
+            <a:off x="323528" y="1813199"/>
+            <a:ext cx="288032" cy="288032"/>
+          </a:xfrm>
+          <a:prstGeom prst="ellipse">
+            <a:avLst/>
+          </a:prstGeom>
+          <a:solidFill>
+            <a:schemeClr val="accent6">
+              <a:lumMod val="20000"/>
+              <a:lumOff val="80000"/>
+            </a:schemeClr>
+          </a:solidFill>
+          <a:ln w="19050">
+            <a:solidFill>
+              <a:schemeClr val="accent6">
+                <a:lumMod val="50000"/>
+              </a:schemeClr>
+            </a:solidFill>
+          </a:ln>
+        </p:spPr>
+        <p:style>
+          <a:lnRef idx="2">
+            <a:schemeClr val="accent1">
+              <a:shade val="50000"/>
+            </a:schemeClr>
+          </a:lnRef>
+          <a:fillRef idx="1">
+            <a:schemeClr val="accent1"/>
+          </a:fillRef>
+          <a:effectRef idx="0">
+            <a:schemeClr val="accent1"/>
+          </a:effectRef>
+          <a:fontRef idx="minor">
+            <a:schemeClr val="lt1"/>
+          </a:fontRef>
+        </p:style>
+        <p:txBody>
+          <a:bodyPr rtlCol="0" anchor="ctr"/>
+          <a:lstStyle/>
+          <a:p>
+            <a:pPr algn="ctr"/>
+            <a:r>
+              <a:rPr lang="fr-FR" sz="1400" b="1" dirty="0" smtClean="0">
+                <a:solidFill>
+                  <a:schemeClr val="accent6">
+                    <a:lumMod val="50000"/>
+                  </a:schemeClr>
+                </a:solidFill>
+              </a:rPr>
+              <a:t>0</a:t>
+            </a:r>
+            <a:endParaRPr lang="fr-FR" sz="1400" b="1" dirty="0">
+              <a:solidFill>
+                <a:schemeClr val="accent6">
+                  <a:lumMod val="50000"/>
+                </a:schemeClr>
+              </a:solidFill>
+            </a:endParaRPr>
+          </a:p>
+        </p:txBody>
+      </p:sp>
+      <p:cxnSp>
+        <p:nvCxnSpPr>
+          <p:cNvPr id="10" name="Connecteur droit 9"/>
+          <p:cNvCxnSpPr>
+            <a:stCxn id="8" idx="6"/>
+            <a:endCxn id="4" idx="2"/>
+          </p:cNvCxnSpPr>
+          <p:nvPr/>
+        </p:nvCxnSpPr>
+        <p:spPr>
+          <a:xfrm>
+            <a:off x="611560" y="1957215"/>
+            <a:ext cx="450050" cy="0"/>
+          </a:xfrm>
+          <a:prstGeom prst="line">
+            <a:avLst/>
+          </a:prstGeom>
+          <a:ln w="19050">
+            <a:solidFill>
+              <a:schemeClr val="tx1"/>
+            </a:solidFill>
+          </a:ln>
+        </p:spPr>
+        <p:style>
+          <a:lnRef idx="1">
+            <a:schemeClr val="accent1"/>
+          </a:lnRef>
+          <a:fillRef idx="0">
+            <a:schemeClr val="accent1"/>
+          </a:fillRef>
+          <a:effectRef idx="0">
+            <a:schemeClr val="accent1"/>
+          </a:effectRef>
+          <a:fontRef idx="minor">
+            <a:schemeClr val="tx1"/>
+          </a:fontRef>
+        </p:style>
+      </p:cxnSp>
+      <p:cxnSp>
+        <p:nvCxnSpPr>
+          <p:cNvPr id="11" name="Connecteur droit 10"/>
+          <p:cNvCxnSpPr>
+            <a:stCxn id="5" idx="2"/>
+            <a:endCxn id="4" idx="6"/>
+          </p:cNvCxnSpPr>
+          <p:nvPr/>
+        </p:nvCxnSpPr>
+        <p:spPr>
+          <a:xfrm flipH="1">
+            <a:off x="1349642" y="1957215"/>
+            <a:ext cx="450050" cy="0"/>
+          </a:xfrm>
+          <a:prstGeom prst="line">
+            <a:avLst/>
+          </a:prstGeom>
+          <a:ln w="19050">
+            <a:solidFill>
+              <a:schemeClr val="tx1"/>
+            </a:solidFill>
+          </a:ln>
+        </p:spPr>
+        <p:style>
+          <a:lnRef idx="1">
+            <a:schemeClr val="accent1"/>
+          </a:lnRef>
+          <a:fillRef idx="0">
+            <a:schemeClr val="accent1"/>
+          </a:fillRef>
+          <a:effectRef idx="0">
+            <a:schemeClr val="accent1"/>
+          </a:effectRef>
+          <a:fontRef idx="minor">
+            <a:schemeClr val="tx1"/>
+          </a:fontRef>
+        </p:style>
+      </p:cxnSp>
+      <p:cxnSp>
+        <p:nvCxnSpPr>
+          <p:cNvPr id="14" name="Connecteur droit 13"/>
+          <p:cNvCxnSpPr>
+            <a:stCxn id="6" idx="2"/>
+            <a:endCxn id="5" idx="6"/>
+          </p:cNvCxnSpPr>
+          <p:nvPr/>
+        </p:nvCxnSpPr>
+        <p:spPr>
+          <a:xfrm flipH="1">
+            <a:off x="2087724" y="1957215"/>
+            <a:ext cx="450050" cy="0"/>
+          </a:xfrm>
+          <a:prstGeom prst="line">
+            <a:avLst/>
+          </a:prstGeom>
+          <a:ln w="19050">
+            <a:solidFill>
+              <a:schemeClr val="tx1"/>
+            </a:solidFill>
+          </a:ln>
+        </p:spPr>
+        <p:style>
+          <a:lnRef idx="1">
+            <a:schemeClr val="accent1"/>
+          </a:lnRef>
+          <a:fillRef idx="0">
+            <a:schemeClr val="accent1"/>
+          </a:fillRef>
+          <a:effectRef idx="0">
+            <a:schemeClr val="accent1"/>
+          </a:effectRef>
+          <a:fontRef idx="minor">
+            <a:schemeClr val="tx1"/>
+          </a:fontRef>
+        </p:style>
+      </p:cxnSp>
+      <p:cxnSp>
+        <p:nvCxnSpPr>
+          <p:cNvPr id="17" name="Connecteur droit 16"/>
+          <p:cNvCxnSpPr>
+            <a:stCxn id="7" idx="2"/>
+            <a:endCxn id="6" idx="6"/>
+          </p:cNvCxnSpPr>
+          <p:nvPr/>
+        </p:nvCxnSpPr>
+        <p:spPr>
+          <a:xfrm flipH="1">
+            <a:off x="2825806" y="1957215"/>
+            <a:ext cx="450050" cy="0"/>
+          </a:xfrm>
+          <a:prstGeom prst="line">
+            <a:avLst/>
+          </a:prstGeom>
+          <a:ln w="19050">
+            <a:solidFill>
+              <a:schemeClr val="tx1"/>
+            </a:solidFill>
+          </a:ln>
+        </p:spPr>
+        <p:style>
+          <a:lnRef idx="1">
+            <a:schemeClr val="accent1"/>
+          </a:lnRef>
+          <a:fillRef idx="0">
+            <a:schemeClr val="accent1"/>
+          </a:fillRef>
+          <a:effectRef idx="0">
+            <a:schemeClr val="accent1"/>
+          </a:effectRef>
+          <a:fontRef idx="minor">
+            <a:schemeClr val="tx1"/>
+          </a:fontRef>
+        </p:style>
+      </p:cxnSp>
+      <p:sp>
+        <p:nvSpPr>
+          <p:cNvPr id="24" name="Forme libre 23"/>
+          <p:cNvSpPr/>
+          <p:nvPr/>
+        </p:nvSpPr>
+        <p:spPr>
+          <a:xfrm>
+            <a:off x="539552" y="1746854"/>
+            <a:ext cx="576064" cy="99996"/>
+          </a:xfrm>
+          <a:custGeom>
+            <a:avLst/>
+            <a:gdLst>
+              <a:gd name="connsiteX0" fmla="*/ 0 w 596900"/>
+              <a:gd name="connsiteY0" fmla="*/ 209768 h 209768"/>
+              <a:gd name="connsiteX1" fmla="*/ 317500 w 596900"/>
+              <a:gd name="connsiteY1" fmla="*/ 218 h 209768"/>
+              <a:gd name="connsiteX2" fmla="*/ 596900 w 596900"/>
+              <a:gd name="connsiteY2" fmla="*/ 178018 h 209768"/>
+              <a:gd name="connsiteX0" fmla="*/ 0 w 660400"/>
+              <a:gd name="connsiteY0" fmla="*/ 210341 h 280191"/>
+              <a:gd name="connsiteX1" fmla="*/ 317500 w 660400"/>
+              <a:gd name="connsiteY1" fmla="*/ 791 h 280191"/>
+              <a:gd name="connsiteX2" fmla="*/ 660400 w 660400"/>
+              <a:gd name="connsiteY2" fmla="*/ 280191 h 280191"/>
+              <a:gd name="connsiteX0" fmla="*/ 0 w 736600"/>
+              <a:gd name="connsiteY0" fmla="*/ 273055 h 279405"/>
+              <a:gd name="connsiteX1" fmla="*/ 393700 w 736600"/>
+              <a:gd name="connsiteY1" fmla="*/ 5 h 279405"/>
+              <a:gd name="connsiteX2" fmla="*/ 736600 w 736600"/>
+              <a:gd name="connsiteY2" fmla="*/ 279405 h 279405"/>
+            </a:gdLst>
+            <a:ahLst/>
+            <a:cxnLst>
+              <a:cxn ang="0">
+                <a:pos x="connsiteX0" y="connsiteY0"/>
+              </a:cxn>
+              <a:cxn ang="0">
+                <a:pos x="connsiteX1" y="connsiteY1"/>
+              </a:cxn>
+              <a:cxn ang="0">
+                <a:pos x="connsiteX2" y="connsiteY2"/>
+              </a:cxn>
+            </a:cxnLst>
+            <a:rect l="l" t="t" r="r" b="b"/>
+            <a:pathLst>
+              <a:path w="736600" h="279405">
+                <a:moveTo>
+                  <a:pt x="0" y="273055"/>
+                </a:moveTo>
+                <a:cubicBezTo>
+                  <a:pt x="109008" y="170926"/>
+                  <a:pt x="270933" y="-1053"/>
+                  <a:pt x="393700" y="5"/>
+                </a:cubicBezTo>
+                <a:cubicBezTo>
+                  <a:pt x="516467" y="1063"/>
+                  <a:pt x="646641" y="187859"/>
+                  <a:pt x="736600" y="279405"/>
+                </a:cubicBezTo>
+              </a:path>
+            </a:pathLst>
+          </a:custGeom>
+          <a:noFill/>
+          <a:ln>
+            <a:solidFill>
+              <a:srgbClr val="C00000"/>
+            </a:solidFill>
+            <a:headEnd type="stealth" w="med" len="lg"/>
+            <a:tailEnd type="stealth" w="med" len="lg"/>
+          </a:ln>
+        </p:spPr>
+        <p:style>
+          <a:lnRef idx="2">
+            <a:schemeClr val="accent1">
+              <a:shade val="50000"/>
+            </a:schemeClr>
+          </a:lnRef>
+          <a:fillRef idx="1">
+            <a:schemeClr val="accent1"/>
+          </a:fillRef>
+          <a:effectRef idx="0">
+            <a:schemeClr val="accent1"/>
+          </a:effectRef>
+          <a:fontRef idx="minor">
+            <a:schemeClr val="lt1"/>
+          </a:fontRef>
+        </p:style>
+        <p:txBody>
+          <a:bodyPr rtlCol="0" anchor="ctr"/>
+          <a:lstStyle/>
+          <a:p>
+            <a:pPr algn="ctr"/>
+            <a:endParaRPr lang="fr-FR"/>
+          </a:p>
+        </p:txBody>
+      </p:sp>
+      <p:sp>
+        <p:nvSpPr>
+          <p:cNvPr id="25" name="Forme libre 24"/>
+          <p:cNvSpPr/>
+          <p:nvPr/>
+        </p:nvSpPr>
+        <p:spPr>
+          <a:xfrm>
+            <a:off x="1286635" y="1746854"/>
+            <a:ext cx="576064" cy="99996"/>
+          </a:xfrm>
+          <a:custGeom>
+            <a:avLst/>
+            <a:gdLst>
+              <a:gd name="connsiteX0" fmla="*/ 0 w 596900"/>
+              <a:gd name="connsiteY0" fmla="*/ 209768 h 209768"/>
+              <a:gd name="connsiteX1" fmla="*/ 317500 w 596900"/>
+              <a:gd name="connsiteY1" fmla="*/ 218 h 209768"/>
+              <a:gd name="connsiteX2" fmla="*/ 596900 w 596900"/>
+              <a:gd name="connsiteY2" fmla="*/ 178018 h 209768"/>
+              <a:gd name="connsiteX0" fmla="*/ 0 w 660400"/>
+              <a:gd name="connsiteY0" fmla="*/ 210341 h 280191"/>
+              <a:gd name="connsiteX1" fmla="*/ 317500 w 660400"/>
+              <a:gd name="connsiteY1" fmla="*/ 791 h 280191"/>
+              <a:gd name="connsiteX2" fmla="*/ 660400 w 660400"/>
+              <a:gd name="connsiteY2" fmla="*/ 280191 h 280191"/>
+              <a:gd name="connsiteX0" fmla="*/ 0 w 736600"/>
+              <a:gd name="connsiteY0" fmla="*/ 273055 h 279405"/>
+              <a:gd name="connsiteX1" fmla="*/ 393700 w 736600"/>
+              <a:gd name="connsiteY1" fmla="*/ 5 h 279405"/>
+              <a:gd name="connsiteX2" fmla="*/ 736600 w 736600"/>
+              <a:gd name="connsiteY2" fmla="*/ 279405 h 279405"/>
+            </a:gdLst>
+            <a:ahLst/>
+            <a:cxnLst>
+              <a:cxn ang="0">
+                <a:pos x="connsiteX0" y="connsiteY0"/>
+              </a:cxn>
+              <a:cxn ang="0">
+                <a:pos x="connsiteX1" y="connsiteY1"/>
+              </a:cxn>
+              <a:cxn ang="0">
+                <a:pos x="connsiteX2" y="connsiteY2"/>
+              </a:cxn>
+            </a:cxnLst>
+            <a:rect l="l" t="t" r="r" b="b"/>
+            <a:pathLst>
+              <a:path w="736600" h="279405">
+                <a:moveTo>
+                  <a:pt x="0" y="273055"/>
+                </a:moveTo>
+                <a:cubicBezTo>
+                  <a:pt x="109008" y="170926"/>
+                  <a:pt x="270933" y="-1053"/>
+                  <a:pt x="393700" y="5"/>
+                </a:cubicBezTo>
+                <a:cubicBezTo>
+                  <a:pt x="516467" y="1063"/>
+                  <a:pt x="646641" y="187859"/>
+                  <a:pt x="736600" y="279405"/>
+                </a:cubicBezTo>
+              </a:path>
+            </a:pathLst>
+          </a:custGeom>
+          <a:noFill/>
+          <a:ln>
+            <a:solidFill>
+              <a:srgbClr val="C00000"/>
+            </a:solidFill>
+            <a:headEnd type="stealth" w="med" len="lg"/>
+            <a:tailEnd type="stealth" w="med" len="lg"/>
+          </a:ln>
+        </p:spPr>
+        <p:style>
+          <a:lnRef idx="2">
+            <a:schemeClr val="accent1">
+              <a:shade val="50000"/>
+            </a:schemeClr>
+          </a:lnRef>
+          <a:fillRef idx="1">
+            <a:schemeClr val="accent1"/>
+          </a:fillRef>
+          <a:effectRef idx="0">
+            <a:schemeClr val="accent1"/>
+          </a:effectRef>
+          <a:fontRef idx="minor">
+            <a:schemeClr val="lt1"/>
+          </a:fontRef>
+        </p:style>
+        <p:txBody>
+          <a:bodyPr rtlCol="0" anchor="ctr"/>
+          <a:lstStyle/>
+          <a:p>
+            <a:pPr algn="ctr"/>
+            <a:endParaRPr lang="fr-FR"/>
+          </a:p>
+        </p:txBody>
+      </p:sp>
+      <p:sp>
+        <p:nvSpPr>
+          <p:cNvPr id="26" name="Forme libre 25"/>
+          <p:cNvSpPr/>
+          <p:nvPr/>
+        </p:nvSpPr>
+        <p:spPr>
+          <a:xfrm>
+            <a:off x="2033718" y="1746854"/>
+            <a:ext cx="576064" cy="99996"/>
+          </a:xfrm>
+          <a:custGeom>
+            <a:avLst/>
+            <a:gdLst>
+              <a:gd name="connsiteX0" fmla="*/ 0 w 596900"/>
+              <a:gd name="connsiteY0" fmla="*/ 209768 h 209768"/>
+              <a:gd name="connsiteX1" fmla="*/ 317500 w 596900"/>
+              <a:gd name="connsiteY1" fmla="*/ 218 h 209768"/>
+              <a:gd name="connsiteX2" fmla="*/ 596900 w 596900"/>
+              <a:gd name="connsiteY2" fmla="*/ 178018 h 209768"/>
+              <a:gd name="connsiteX0" fmla="*/ 0 w 660400"/>
+              <a:gd name="connsiteY0" fmla="*/ 210341 h 280191"/>
+              <a:gd name="connsiteX1" fmla="*/ 317500 w 660400"/>
+              <a:gd name="connsiteY1" fmla="*/ 791 h 280191"/>
+              <a:gd name="connsiteX2" fmla="*/ 660400 w 660400"/>
+              <a:gd name="connsiteY2" fmla="*/ 280191 h 280191"/>
+              <a:gd name="connsiteX0" fmla="*/ 0 w 736600"/>
+              <a:gd name="connsiteY0" fmla="*/ 273055 h 279405"/>
+              <a:gd name="connsiteX1" fmla="*/ 393700 w 736600"/>
+              <a:gd name="connsiteY1" fmla="*/ 5 h 279405"/>
+              <a:gd name="connsiteX2" fmla="*/ 736600 w 736600"/>
+              <a:gd name="connsiteY2" fmla="*/ 279405 h 279405"/>
+            </a:gdLst>
+            <a:ahLst/>
+            <a:cxnLst>
+              <a:cxn ang="0">
+                <a:pos x="connsiteX0" y="connsiteY0"/>
+              </a:cxn>
+              <a:cxn ang="0">
+                <a:pos x="connsiteX1" y="connsiteY1"/>
+              </a:cxn>
+              <a:cxn ang="0">
+                <a:pos x="connsiteX2" y="connsiteY2"/>
+              </a:cxn>
+            </a:cxnLst>
+            <a:rect l="l" t="t" r="r" b="b"/>
+            <a:pathLst>
+              <a:path w="736600" h="279405">
+                <a:moveTo>
+                  <a:pt x="0" y="273055"/>
+                </a:moveTo>
+                <a:cubicBezTo>
+                  <a:pt x="109008" y="170926"/>
+                  <a:pt x="270933" y="-1053"/>
+                  <a:pt x="393700" y="5"/>
+                </a:cubicBezTo>
+                <a:cubicBezTo>
+                  <a:pt x="516467" y="1063"/>
+                  <a:pt x="646641" y="187859"/>
+                  <a:pt x="736600" y="279405"/>
+                </a:cubicBezTo>
+              </a:path>
+            </a:pathLst>
+          </a:custGeom>
+          <a:noFill/>
+          <a:ln>
+            <a:solidFill>
+              <a:srgbClr val="C00000"/>
+            </a:solidFill>
+            <a:headEnd type="stealth" w="med" len="lg"/>
+            <a:tailEnd type="stealth" w="med" len="lg"/>
+          </a:ln>
+        </p:spPr>
+        <p:style>
+          <a:lnRef idx="2">
+            <a:schemeClr val="accent1">
+              <a:shade val="50000"/>
+            </a:schemeClr>
+          </a:lnRef>
+          <a:fillRef idx="1">
+            <a:schemeClr val="accent1"/>
+          </a:fillRef>
+          <a:effectRef idx="0">
+            <a:schemeClr val="accent1"/>
+          </a:effectRef>
+          <a:fontRef idx="minor">
+            <a:schemeClr val="lt1"/>
+          </a:fontRef>
+        </p:style>
+        <p:txBody>
+          <a:bodyPr rtlCol="0" anchor="ctr"/>
+          <a:lstStyle/>
+          <a:p>
+            <a:pPr algn="ctr"/>
+            <a:endParaRPr lang="fr-FR"/>
+          </a:p>
+        </p:txBody>
+      </p:sp>
+      <p:sp>
+        <p:nvSpPr>
+          <p:cNvPr id="27" name="Forme libre 26"/>
+          <p:cNvSpPr/>
+          <p:nvPr/>
+        </p:nvSpPr>
+        <p:spPr>
+          <a:xfrm>
+            <a:off x="2780801" y="1746854"/>
+            <a:ext cx="576064" cy="99996"/>
+          </a:xfrm>
+          <a:custGeom>
+            <a:avLst/>
+            <a:gdLst>
+              <a:gd name="connsiteX0" fmla="*/ 0 w 596900"/>
+              <a:gd name="connsiteY0" fmla="*/ 209768 h 209768"/>
+              <a:gd name="connsiteX1" fmla="*/ 317500 w 596900"/>
+              <a:gd name="connsiteY1" fmla="*/ 218 h 209768"/>
+              <a:gd name="connsiteX2" fmla="*/ 596900 w 596900"/>
+              <a:gd name="connsiteY2" fmla="*/ 178018 h 209768"/>
+              <a:gd name="connsiteX0" fmla="*/ 0 w 660400"/>
+              <a:gd name="connsiteY0" fmla="*/ 210341 h 280191"/>
+              <a:gd name="connsiteX1" fmla="*/ 317500 w 660400"/>
+              <a:gd name="connsiteY1" fmla="*/ 791 h 280191"/>
+              <a:gd name="connsiteX2" fmla="*/ 660400 w 660400"/>
+              <a:gd name="connsiteY2" fmla="*/ 280191 h 280191"/>
+              <a:gd name="connsiteX0" fmla="*/ 0 w 736600"/>
+              <a:gd name="connsiteY0" fmla="*/ 273055 h 279405"/>
+              <a:gd name="connsiteX1" fmla="*/ 393700 w 736600"/>
+              <a:gd name="connsiteY1" fmla="*/ 5 h 279405"/>
+              <a:gd name="connsiteX2" fmla="*/ 736600 w 736600"/>
+              <a:gd name="connsiteY2" fmla="*/ 279405 h 279405"/>
+            </a:gdLst>
+            <a:ahLst/>
+            <a:cxnLst>
+              <a:cxn ang="0">
+                <a:pos x="connsiteX0" y="connsiteY0"/>
+              </a:cxn>
+              <a:cxn ang="0">
+                <a:pos x="connsiteX1" y="connsiteY1"/>
+              </a:cxn>
+              <a:cxn ang="0">
+                <a:pos x="connsiteX2" y="connsiteY2"/>
+              </a:cxn>
+            </a:cxnLst>
+            <a:rect l="l" t="t" r="r" b="b"/>
+            <a:pathLst>
+              <a:path w="736600" h="279405">
+                <a:moveTo>
+                  <a:pt x="0" y="273055"/>
+                </a:moveTo>
+                <a:cubicBezTo>
+                  <a:pt x="109008" y="170926"/>
+                  <a:pt x="270933" y="-1053"/>
+                  <a:pt x="393700" y="5"/>
+                </a:cubicBezTo>
+                <a:cubicBezTo>
+                  <a:pt x="516467" y="1063"/>
+                  <a:pt x="646641" y="187859"/>
+                  <a:pt x="736600" y="279405"/>
+                </a:cubicBezTo>
+              </a:path>
+            </a:pathLst>
+          </a:custGeom>
+          <a:noFill/>
+          <a:ln>
+            <a:solidFill>
+              <a:srgbClr val="C00000"/>
+            </a:solidFill>
+            <a:headEnd type="stealth" w="med" len="lg"/>
+            <a:tailEnd type="stealth" w="med" len="lg"/>
+          </a:ln>
+        </p:spPr>
+        <p:style>
+          <a:lnRef idx="2">
+            <a:schemeClr val="accent1">
+              <a:shade val="50000"/>
+            </a:schemeClr>
+          </a:lnRef>
+          <a:fillRef idx="1">
+            <a:schemeClr val="accent1"/>
+          </a:fillRef>
+          <a:effectRef idx="0">
+            <a:schemeClr val="accent1"/>
+          </a:effectRef>
+          <a:fontRef idx="minor">
+            <a:schemeClr val="lt1"/>
+          </a:fontRef>
+        </p:style>
+        <p:txBody>
+          <a:bodyPr rtlCol="0" anchor="ctr"/>
+          <a:lstStyle/>
+          <a:p>
+            <a:pPr algn="ctr"/>
+            <a:endParaRPr lang="fr-FR"/>
+          </a:p>
+        </p:txBody>
+      </p:sp>
+      <p:sp>
+        <p:nvSpPr>
+          <p:cNvPr id="28" name="Forme libre 27"/>
+          <p:cNvSpPr/>
+          <p:nvPr/>
+        </p:nvSpPr>
+        <p:spPr>
+          <a:xfrm>
+            <a:off x="3548906" y="1796852"/>
+            <a:ext cx="576064" cy="99996"/>
+          </a:xfrm>
+          <a:custGeom>
+            <a:avLst/>
+            <a:gdLst>
+              <a:gd name="connsiteX0" fmla="*/ 0 w 596900"/>
+              <a:gd name="connsiteY0" fmla="*/ 209768 h 209768"/>
+              <a:gd name="connsiteX1" fmla="*/ 317500 w 596900"/>
+              <a:gd name="connsiteY1" fmla="*/ 218 h 209768"/>
+              <a:gd name="connsiteX2" fmla="*/ 596900 w 596900"/>
+              <a:gd name="connsiteY2" fmla="*/ 178018 h 209768"/>
+              <a:gd name="connsiteX0" fmla="*/ 0 w 660400"/>
+              <a:gd name="connsiteY0" fmla="*/ 210341 h 280191"/>
+              <a:gd name="connsiteX1" fmla="*/ 317500 w 660400"/>
+              <a:gd name="connsiteY1" fmla="*/ 791 h 280191"/>
+              <a:gd name="connsiteX2" fmla="*/ 660400 w 660400"/>
+              <a:gd name="connsiteY2" fmla="*/ 280191 h 280191"/>
+              <a:gd name="connsiteX0" fmla="*/ 0 w 736600"/>
+              <a:gd name="connsiteY0" fmla="*/ 273055 h 279405"/>
+              <a:gd name="connsiteX1" fmla="*/ 393700 w 736600"/>
+              <a:gd name="connsiteY1" fmla="*/ 5 h 279405"/>
+              <a:gd name="connsiteX2" fmla="*/ 736600 w 736600"/>
+              <a:gd name="connsiteY2" fmla="*/ 279405 h 279405"/>
+            </a:gdLst>
+            <a:ahLst/>
+            <a:cxnLst>
+              <a:cxn ang="0">
+                <a:pos x="connsiteX0" y="connsiteY0"/>
+              </a:cxn>
+              <a:cxn ang="0">
+                <a:pos x="connsiteX1" y="connsiteY1"/>
+              </a:cxn>
+              <a:cxn ang="0">
+                <a:pos x="connsiteX2" y="connsiteY2"/>
+              </a:cxn>
+            </a:cxnLst>
+            <a:rect l="l" t="t" r="r" b="b"/>
+            <a:pathLst>
+              <a:path w="736600" h="279405">
+                <a:moveTo>
+                  <a:pt x="0" y="273055"/>
+                </a:moveTo>
+                <a:cubicBezTo>
+                  <a:pt x="109008" y="170926"/>
+                  <a:pt x="270933" y="-1053"/>
+                  <a:pt x="393700" y="5"/>
+                </a:cubicBezTo>
+                <a:cubicBezTo>
+                  <a:pt x="516467" y="1063"/>
+                  <a:pt x="646641" y="187859"/>
+                  <a:pt x="736600" y="279405"/>
+                </a:cubicBezTo>
+              </a:path>
+            </a:pathLst>
+          </a:custGeom>
+          <a:noFill/>
+          <a:ln>
+            <a:solidFill>
+              <a:srgbClr val="C00000"/>
+            </a:solidFill>
+            <a:headEnd type="stealth" w="med" len="lg"/>
+            <a:tailEnd type="none" w="med" len="lg"/>
+          </a:ln>
+        </p:spPr>
+        <p:style>
+          <a:lnRef idx="2">
+            <a:schemeClr val="accent1">
+              <a:shade val="50000"/>
+            </a:schemeClr>
+          </a:lnRef>
+          <a:fillRef idx="1">
+            <a:schemeClr val="accent1"/>
+          </a:fillRef>
+          <a:effectRef idx="0">
+            <a:schemeClr val="accent1"/>
+          </a:effectRef>
+          <a:fontRef idx="minor">
+            <a:schemeClr val="lt1"/>
+          </a:fontRef>
+        </p:style>
+        <p:txBody>
+          <a:bodyPr rtlCol="0" anchor="ctr"/>
+          <a:lstStyle/>
+          <a:p>
+            <a:pPr algn="ctr"/>
+            <a:endParaRPr lang="fr-FR"/>
+          </a:p>
+        </p:txBody>
+      </p:sp>
+      <p:sp>
+        <p:nvSpPr>
+          <p:cNvPr id="29" name="Rectangle à coins arrondis 28"/>
+          <p:cNvSpPr/>
+          <p:nvPr/>
+        </p:nvSpPr>
+        <p:spPr>
+          <a:xfrm>
+            <a:off x="971600" y="1348285"/>
+            <a:ext cx="2736304" cy="1000595"/>
+          </a:xfrm>
+          <a:prstGeom prst="roundRect">
+            <a:avLst/>
+          </a:prstGeom>
+          <a:noFill/>
+          <a:ln w="19050">
+            <a:prstDash val="sysDash"/>
+          </a:ln>
+        </p:spPr>
+        <p:style>
+          <a:lnRef idx="2">
+            <a:schemeClr val="accent1">
+              <a:shade val="50000"/>
+            </a:schemeClr>
+          </a:lnRef>
+          <a:fillRef idx="1">
+            <a:schemeClr val="accent1"/>
+          </a:fillRef>
+          <a:effectRef idx="0">
+            <a:schemeClr val="accent1"/>
+          </a:effectRef>
+          <a:fontRef idx="minor">
+            <a:schemeClr val="lt1"/>
+          </a:fontRef>
+        </p:style>
+        <p:txBody>
+          <a:bodyPr rtlCol="0" anchor="ctr"/>
+          <a:lstStyle/>
+          <a:p>
+            <a:pPr algn="ctr"/>
+            <a:endParaRPr lang="fr-FR"/>
+          </a:p>
+        </p:txBody>
+      </p:sp>
+      <p:sp>
+        <p:nvSpPr>
+          <p:cNvPr id="30" name="Forme libre 29"/>
+          <p:cNvSpPr/>
+          <p:nvPr/>
+        </p:nvSpPr>
+        <p:spPr>
+          <a:xfrm rot="18900000">
+            <a:off x="2189750" y="1038546"/>
+            <a:ext cx="576064" cy="99996"/>
+          </a:xfrm>
+          <a:custGeom>
+            <a:avLst/>
+            <a:gdLst>
+              <a:gd name="connsiteX0" fmla="*/ 0 w 596900"/>
+              <a:gd name="connsiteY0" fmla="*/ 209768 h 209768"/>
+              <a:gd name="connsiteX1" fmla="*/ 317500 w 596900"/>
+              <a:gd name="connsiteY1" fmla="*/ 218 h 209768"/>
+              <a:gd name="connsiteX2" fmla="*/ 596900 w 596900"/>
+              <a:gd name="connsiteY2" fmla="*/ 178018 h 209768"/>
+              <a:gd name="connsiteX0" fmla="*/ 0 w 660400"/>
+              <a:gd name="connsiteY0" fmla="*/ 210341 h 280191"/>
+              <a:gd name="connsiteX1" fmla="*/ 317500 w 660400"/>
+              <a:gd name="connsiteY1" fmla="*/ 791 h 280191"/>
+              <a:gd name="connsiteX2" fmla="*/ 660400 w 660400"/>
+              <a:gd name="connsiteY2" fmla="*/ 280191 h 280191"/>
+              <a:gd name="connsiteX0" fmla="*/ 0 w 736600"/>
+              <a:gd name="connsiteY0" fmla="*/ 273055 h 279405"/>
+              <a:gd name="connsiteX1" fmla="*/ 393700 w 736600"/>
+              <a:gd name="connsiteY1" fmla="*/ 5 h 279405"/>
+              <a:gd name="connsiteX2" fmla="*/ 736600 w 736600"/>
+              <a:gd name="connsiteY2" fmla="*/ 279405 h 279405"/>
+            </a:gdLst>
+            <a:ahLst/>
+            <a:cxnLst>
+              <a:cxn ang="0">
+                <a:pos x="connsiteX0" y="connsiteY0"/>
+              </a:cxn>
+              <a:cxn ang="0">
+                <a:pos x="connsiteX1" y="connsiteY1"/>
+              </a:cxn>
+              <a:cxn ang="0">
+                <a:pos x="connsiteX2" y="connsiteY2"/>
+              </a:cxn>
+            </a:cxnLst>
+            <a:rect l="l" t="t" r="r" b="b"/>
+            <a:pathLst>
+              <a:path w="736600" h="279405">
+                <a:moveTo>
+                  <a:pt x="0" y="273055"/>
+                </a:moveTo>
+                <a:cubicBezTo>
+                  <a:pt x="109008" y="170926"/>
+                  <a:pt x="270933" y="-1053"/>
+                  <a:pt x="393700" y="5"/>
+                </a:cubicBezTo>
+                <a:cubicBezTo>
+                  <a:pt x="516467" y="1063"/>
+                  <a:pt x="646641" y="187859"/>
+                  <a:pt x="736600" y="279405"/>
+                </a:cubicBezTo>
+              </a:path>
+            </a:pathLst>
+          </a:custGeom>
+          <a:noFill/>
+          <a:ln>
+            <a:solidFill>
+              <a:srgbClr val="C00000"/>
+            </a:solidFill>
+            <a:headEnd type="stealth" w="med" len="lg"/>
+            <a:tailEnd type="none" w="med" len="lg"/>
+          </a:ln>
+        </p:spPr>
+        <p:style>
+          <a:lnRef idx="2">
+            <a:schemeClr val="accent1">
+              <a:shade val="50000"/>
+            </a:schemeClr>
+          </a:lnRef>
+          <a:fillRef idx="1">
+            <a:schemeClr val="accent1"/>
+          </a:fillRef>
+          <a:effectRef idx="0">
+            <a:schemeClr val="accent1"/>
+          </a:effectRef>
+          <a:fontRef idx="minor">
+            <a:schemeClr val="lt1"/>
+          </a:fontRef>
+        </p:style>
+        <p:txBody>
+          <a:bodyPr rtlCol="0" anchor="ctr"/>
+          <a:lstStyle/>
+          <a:p>
+            <a:pPr algn="ctr"/>
+            <a:endParaRPr lang="fr-FR"/>
+          </a:p>
+        </p:txBody>
+      </p:sp>
+      <mc:AlternateContent xmlns:mc="http://schemas.openxmlformats.org/markup-compatibility/2006" xmlns:a14="http://schemas.microsoft.com/office/drawing/2010/main">
+        <mc:Choice Requires="a14">
+          <p:sp>
+            <p:nvSpPr>
+              <p:cNvPr id="31" name="ZoneTexte 30"/>
+              <p:cNvSpPr txBox="1"/>
+              <p:nvPr/>
+            </p:nvSpPr>
+            <p:spPr>
+              <a:xfrm rot="5400000">
+                <a:off x="376723" y="2421287"/>
+                <a:ext cx="901722" cy="261610"/>
+              </a:xfrm>
+              <a:prstGeom prst="rect">
+                <a:avLst/>
+              </a:prstGeom>
+              <a:noFill/>
+            </p:spPr>
+            <p:txBody>
+              <a:bodyPr wrap="none" rtlCol="0">
+                <a:spAutoFit/>
+              </a:bodyPr>
+              <a:lstStyle/>
+              <a:p>
+                <a:r>
+                  <a:rPr lang="fr-FR" sz="1100" b="0" dirty="0" smtClean="0"/>
+                  <a:t>Pivot </a:t>
+                </a:r>
+                <a14:m>
+                  <m:oMath xmlns:m="http://schemas.openxmlformats.org/officeDocument/2006/math">
+                    <m:d>
+                      <m:dPr>
+                        <m:ctrlPr>
+                          <a:rPr lang="fr-FR" sz="1100" b="0" i="1" smtClean="0">
+                            <a:latin typeface="Cambria Math"/>
+                          </a:rPr>
+                        </m:ctrlPr>
+                      </m:dPr>
+                      <m:e>
+                        <m:r>
+                          <a:rPr lang="fr-FR" sz="1100" b="0" i="1" smtClean="0">
+                            <a:latin typeface="Cambria Math"/>
+                          </a:rPr>
+                          <m:t>𝑂</m:t>
+                        </m:r>
+                        <m:r>
+                          <a:rPr lang="fr-FR" sz="1100" b="0" i="1" smtClean="0">
+                            <a:latin typeface="Cambria Math"/>
+                          </a:rPr>
+                          <m:t>,</m:t>
+                        </m:r>
+                        <m:acc>
+                          <m:accPr>
+                            <m:chr m:val="⃗"/>
+                            <m:ctrlPr>
+                              <a:rPr lang="fr-FR" sz="1100" b="0" i="1" smtClean="0">
+                                <a:latin typeface="Cambria Math"/>
+                              </a:rPr>
+                            </m:ctrlPr>
+                          </m:accPr>
+                          <m:e>
+                            <m:sSub>
+                              <m:sSubPr>
+                                <m:ctrlPr>
+                                  <a:rPr lang="fr-FR" sz="1100" b="0" i="1" smtClean="0">
+                                    <a:latin typeface="Cambria Math"/>
+                                  </a:rPr>
+                                </m:ctrlPr>
+                              </m:sSubPr>
+                              <m:e>
+                                <m:r>
+                                  <a:rPr lang="fr-FR" sz="1100" b="0" i="1" smtClean="0">
+                                    <a:latin typeface="Cambria Math"/>
+                                  </a:rPr>
+                                  <m:t>𝑧</m:t>
+                                </m:r>
+                              </m:e>
+                              <m:sub>
+                                <m:r>
+                                  <a:rPr lang="fr-FR" sz="1100" b="0" i="1" smtClean="0">
+                                    <a:latin typeface="Cambria Math"/>
+                                  </a:rPr>
+                                  <m:t>1</m:t>
+                                </m:r>
+                              </m:sub>
+                            </m:sSub>
+                          </m:e>
+                        </m:acc>
+                      </m:e>
+                    </m:d>
+                  </m:oMath>
+                </a14:m>
+                <a:endParaRPr lang="fr-FR" sz="1100" dirty="0"/>
+              </a:p>
+            </p:txBody>
+          </p:sp>
+        </mc:Choice>
+        <mc:Fallback xmlns="">
+          <p:sp>
+            <p:nvSpPr>
+              <p:cNvPr id="31" name="ZoneTexte 30"/>
+              <p:cNvSpPr txBox="1">
+                <a:spLocks noRot="1" noChangeAspect="1" noMove="1" noResize="1" noEditPoints="1" noAdjustHandles="1" noChangeArrowheads="1" noChangeShapeType="1" noTextEdit="1"/>
+              </p:cNvSpPr>
+              <p:nvPr/>
+            </p:nvSpPr>
+            <p:spPr>
+              <a:xfrm rot="5400000">
+                <a:off x="376723" y="2421287"/>
+                <a:ext cx="901722" cy="261610"/>
+              </a:xfrm>
+              <a:prstGeom prst="rect">
+                <a:avLst/>
+              </a:prstGeom>
+              <a:blipFill rotWithShape="1">
+                <a:blip r:embed="rId2"/>
+                <a:stretch>
+                  <a:fillRect l="-16279"/>
+                </a:stretch>
+              </a:blipFill>
+            </p:spPr>
+            <p:txBody>
+              <a:bodyPr/>
+              <a:lstStyle/>
+              <a:p>
+                <a:r>
+                  <a:rPr lang="fr-FR">
+                    <a:noFill/>
+                  </a:rPr>
+                  <a:t> </a:t>
+                </a:r>
+              </a:p>
+            </p:txBody>
+          </p:sp>
+        </mc:Fallback>
+      </mc:AlternateContent>
+      <mc:AlternateContent xmlns:mc="http://schemas.openxmlformats.org/markup-compatibility/2006" xmlns:a14="http://schemas.microsoft.com/office/drawing/2010/main">
+        <mc:Choice Requires="a14">
+          <p:sp>
+            <p:nvSpPr>
+              <p:cNvPr id="32" name="ZoneTexte 31"/>
+              <p:cNvSpPr txBox="1"/>
+              <p:nvPr/>
+            </p:nvSpPr>
+            <p:spPr>
+              <a:xfrm rot="5400000">
+                <a:off x="1122171" y="2421287"/>
+                <a:ext cx="904991" cy="261610"/>
+              </a:xfrm>
+              <a:prstGeom prst="rect">
+                <a:avLst/>
+              </a:prstGeom>
+              <a:noFill/>
+            </p:spPr>
+            <p:txBody>
+              <a:bodyPr wrap="none" rtlCol="0">
+                <a:spAutoFit/>
+              </a:bodyPr>
+              <a:lstStyle/>
+              <a:p>
+                <a:r>
+                  <a:rPr lang="fr-FR" sz="1100" b="0" dirty="0" smtClean="0"/>
+                  <a:t>Pivot </a:t>
+                </a:r>
+                <a14:m>
+                  <m:oMath xmlns:m="http://schemas.openxmlformats.org/officeDocument/2006/math">
+                    <m:d>
+                      <m:dPr>
+                        <m:ctrlPr>
+                          <a:rPr lang="fr-FR" sz="1100" b="0" i="1" smtClean="0">
+                            <a:latin typeface="Cambria Math"/>
+                          </a:rPr>
+                        </m:ctrlPr>
+                      </m:dPr>
+                      <m:e>
+                        <m:r>
+                          <a:rPr lang="fr-FR" sz="1100" b="0" i="1" smtClean="0">
+                            <a:latin typeface="Cambria Math"/>
+                          </a:rPr>
+                          <m:t>𝑂</m:t>
+                        </m:r>
+                        <m:r>
+                          <a:rPr lang="fr-FR" sz="1100" b="0" i="1" smtClean="0">
+                            <a:latin typeface="Cambria Math"/>
+                          </a:rPr>
+                          <m:t>,</m:t>
+                        </m:r>
+                        <m:acc>
+                          <m:accPr>
+                            <m:chr m:val="⃗"/>
+                            <m:ctrlPr>
+                              <a:rPr lang="fr-FR" sz="1100" b="0" i="1" smtClean="0">
+                                <a:latin typeface="Cambria Math"/>
+                              </a:rPr>
+                            </m:ctrlPr>
+                          </m:accPr>
+                          <m:e>
+                            <m:sSub>
+                              <m:sSubPr>
+                                <m:ctrlPr>
+                                  <a:rPr lang="fr-FR" sz="1100" b="0" i="1" smtClean="0">
+                                    <a:latin typeface="Cambria Math"/>
+                                  </a:rPr>
+                                </m:ctrlPr>
+                              </m:sSubPr>
+                              <m:e>
+                                <m:r>
+                                  <a:rPr lang="fr-FR" sz="1100" b="0" i="1" smtClean="0">
+                                    <a:latin typeface="Cambria Math"/>
+                                  </a:rPr>
+                                  <m:t>𝑧</m:t>
+                                </m:r>
+                              </m:e>
+                              <m:sub>
+                                <m:r>
+                                  <a:rPr lang="fr-FR" sz="1100" b="0" i="1" smtClean="0">
+                                    <a:latin typeface="Cambria Math"/>
+                                  </a:rPr>
+                                  <m:t>2</m:t>
+                                </m:r>
+                              </m:sub>
+                            </m:sSub>
+                          </m:e>
+                        </m:acc>
+                      </m:e>
+                    </m:d>
+                  </m:oMath>
+                </a14:m>
+                <a:endParaRPr lang="fr-FR" sz="1100" dirty="0"/>
+              </a:p>
+            </p:txBody>
+          </p:sp>
+        </mc:Choice>
+        <mc:Fallback xmlns="">
+          <p:sp>
+            <p:nvSpPr>
+              <p:cNvPr id="32" name="ZoneTexte 31"/>
+              <p:cNvSpPr txBox="1">
+                <a:spLocks noRot="1" noChangeAspect="1" noMove="1" noResize="1" noEditPoints="1" noAdjustHandles="1" noChangeArrowheads="1" noChangeShapeType="1" noTextEdit="1"/>
+              </p:cNvSpPr>
+              <p:nvPr/>
+            </p:nvSpPr>
+            <p:spPr>
+              <a:xfrm rot="5400000">
+                <a:off x="1122171" y="2421287"/>
+                <a:ext cx="904991" cy="261610"/>
+              </a:xfrm>
+              <a:prstGeom prst="rect">
+                <a:avLst/>
+              </a:prstGeom>
+              <a:blipFill rotWithShape="1">
+                <a:blip r:embed="rId3"/>
+                <a:stretch>
+                  <a:fillRect l="-16279"/>
+                </a:stretch>
+              </a:blipFill>
+            </p:spPr>
+            <p:txBody>
+              <a:bodyPr/>
+              <a:lstStyle/>
+              <a:p>
+                <a:r>
+                  <a:rPr lang="fr-FR">
+                    <a:noFill/>
+                  </a:rPr>
+                  <a:t> </a:t>
+                </a:r>
+              </a:p>
+            </p:txBody>
+          </p:sp>
+        </mc:Fallback>
+      </mc:AlternateContent>
+      <mc:AlternateContent xmlns:mc="http://schemas.openxmlformats.org/markup-compatibility/2006" xmlns:a14="http://schemas.microsoft.com/office/drawing/2010/main">
+        <mc:Choice Requires="a14">
+          <p:sp>
+            <p:nvSpPr>
+              <p:cNvPr id="33" name="ZoneTexte 32"/>
+              <p:cNvSpPr txBox="1"/>
+              <p:nvPr/>
+            </p:nvSpPr>
+            <p:spPr>
+              <a:xfrm rot="5400000">
+                <a:off x="1869254" y="2421287"/>
+                <a:ext cx="904991" cy="261610"/>
+              </a:xfrm>
+              <a:prstGeom prst="rect">
+                <a:avLst/>
+              </a:prstGeom>
+              <a:noFill/>
+            </p:spPr>
+            <p:txBody>
+              <a:bodyPr wrap="none" rtlCol="0">
+                <a:spAutoFit/>
+              </a:bodyPr>
+              <a:lstStyle/>
+              <a:p>
+                <a:r>
+                  <a:rPr lang="fr-FR" sz="1100" b="0" dirty="0" smtClean="0"/>
+                  <a:t>Pivot </a:t>
+                </a:r>
+                <a14:m>
+                  <m:oMath xmlns:m="http://schemas.openxmlformats.org/officeDocument/2006/math">
+                    <m:d>
+                      <m:dPr>
+                        <m:ctrlPr>
+                          <a:rPr lang="fr-FR" sz="1100" b="0" i="1" smtClean="0">
+                            <a:latin typeface="Cambria Math"/>
+                          </a:rPr>
+                        </m:ctrlPr>
+                      </m:dPr>
+                      <m:e>
+                        <m:r>
+                          <a:rPr lang="fr-FR" sz="1100" b="0" i="1" smtClean="0">
+                            <a:latin typeface="Cambria Math"/>
+                          </a:rPr>
+                          <m:t>𝑂</m:t>
+                        </m:r>
+                        <m:r>
+                          <a:rPr lang="fr-FR" sz="1100" b="0" i="1" smtClean="0">
+                            <a:latin typeface="Cambria Math"/>
+                          </a:rPr>
+                          <m:t>,</m:t>
+                        </m:r>
+                        <m:acc>
+                          <m:accPr>
+                            <m:chr m:val="⃗"/>
+                            <m:ctrlPr>
+                              <a:rPr lang="fr-FR" sz="1100" b="0" i="1" smtClean="0">
+                                <a:latin typeface="Cambria Math"/>
+                              </a:rPr>
+                            </m:ctrlPr>
+                          </m:accPr>
+                          <m:e>
+                            <m:sSub>
+                              <m:sSubPr>
+                                <m:ctrlPr>
+                                  <a:rPr lang="fr-FR" sz="1100" b="0" i="1" smtClean="0">
+                                    <a:latin typeface="Cambria Math"/>
+                                  </a:rPr>
+                                </m:ctrlPr>
+                              </m:sSubPr>
+                              <m:e>
+                                <m:r>
+                                  <a:rPr lang="fr-FR" sz="1100" b="0" i="1" smtClean="0">
+                                    <a:latin typeface="Cambria Math"/>
+                                  </a:rPr>
+                                  <m:t>𝑧</m:t>
+                                </m:r>
+                              </m:e>
+                              <m:sub>
+                                <m:r>
+                                  <a:rPr lang="fr-FR" sz="1100" b="0" i="1" smtClean="0">
+                                    <a:latin typeface="Cambria Math"/>
+                                  </a:rPr>
+                                  <m:t>3</m:t>
+                                </m:r>
+                              </m:sub>
+                            </m:sSub>
+                          </m:e>
+                        </m:acc>
+                      </m:e>
+                    </m:d>
+                  </m:oMath>
+                </a14:m>
+                <a:endParaRPr lang="fr-FR" sz="1100" dirty="0"/>
+              </a:p>
+            </p:txBody>
+          </p:sp>
+        </mc:Choice>
+        <mc:Fallback xmlns="">
+          <p:sp>
+            <p:nvSpPr>
+              <p:cNvPr id="33" name="ZoneTexte 32"/>
+              <p:cNvSpPr txBox="1">
+                <a:spLocks noRot="1" noChangeAspect="1" noMove="1" noResize="1" noEditPoints="1" noAdjustHandles="1" noChangeArrowheads="1" noChangeShapeType="1" noTextEdit="1"/>
+              </p:cNvSpPr>
+              <p:nvPr/>
+            </p:nvSpPr>
+            <p:spPr>
+              <a:xfrm rot="5400000">
+                <a:off x="1869254" y="2421287"/>
+                <a:ext cx="904991" cy="261610"/>
+              </a:xfrm>
+              <a:prstGeom prst="rect">
+                <a:avLst/>
+              </a:prstGeom>
+              <a:blipFill rotWithShape="1">
+                <a:blip r:embed="rId4"/>
+                <a:stretch>
+                  <a:fillRect l="-16279"/>
+                </a:stretch>
+              </a:blipFill>
+            </p:spPr>
+            <p:txBody>
+              <a:bodyPr/>
+              <a:lstStyle/>
+              <a:p>
+                <a:r>
+                  <a:rPr lang="fr-FR">
+                    <a:noFill/>
+                  </a:rPr>
+                  <a:t> </a:t>
+                </a:r>
+              </a:p>
+            </p:txBody>
+          </p:sp>
+        </mc:Fallback>
+      </mc:AlternateContent>
+      <mc:AlternateContent xmlns:mc="http://schemas.openxmlformats.org/markup-compatibility/2006" xmlns:a14="http://schemas.microsoft.com/office/drawing/2010/main">
+        <mc:Choice Requires="a14">
+          <p:sp>
+            <p:nvSpPr>
+              <p:cNvPr id="34" name="ZoneTexte 33"/>
+              <p:cNvSpPr txBox="1"/>
+              <p:nvPr/>
+            </p:nvSpPr>
+            <p:spPr>
+              <a:xfrm rot="5400000">
+                <a:off x="2498389" y="2421287"/>
+                <a:ext cx="1140890" cy="261610"/>
+              </a:xfrm>
+              <a:prstGeom prst="rect">
+                <a:avLst/>
+              </a:prstGeom>
+              <a:noFill/>
+            </p:spPr>
+            <p:txBody>
+              <a:bodyPr wrap="none" rtlCol="0">
+                <a:spAutoFit/>
+              </a:bodyPr>
+              <a:lstStyle/>
+              <a:p>
+                <a:r>
+                  <a:rPr lang="fr-FR" sz="1100" b="0" dirty="0" smtClean="0"/>
+                  <a:t>Glissière </a:t>
+                </a:r>
+                <a14:m>
+                  <m:oMath xmlns:m="http://schemas.openxmlformats.org/officeDocument/2006/math">
+                    <m:d>
+                      <m:dPr>
+                        <m:ctrlPr>
+                          <a:rPr lang="fr-FR" sz="1100" b="0" i="1" smtClean="0">
+                            <a:latin typeface="Cambria Math"/>
+                          </a:rPr>
+                        </m:ctrlPr>
+                      </m:dPr>
+                      <m:e>
+                        <m:r>
+                          <a:rPr lang="fr-FR" sz="1100" b="0" i="1" smtClean="0">
+                            <a:latin typeface="Cambria Math"/>
+                          </a:rPr>
+                          <m:t>𝑂</m:t>
+                        </m:r>
+                        <m:r>
+                          <a:rPr lang="fr-FR" sz="1100" b="0" i="1" smtClean="0">
+                            <a:latin typeface="Cambria Math"/>
+                          </a:rPr>
+                          <m:t>,</m:t>
+                        </m:r>
+                        <m:acc>
+                          <m:accPr>
+                            <m:chr m:val="⃗"/>
+                            <m:ctrlPr>
+                              <a:rPr lang="fr-FR" sz="1100" b="0" i="1" smtClean="0">
+                                <a:latin typeface="Cambria Math"/>
+                              </a:rPr>
+                            </m:ctrlPr>
+                          </m:accPr>
+                          <m:e>
+                            <m:sSub>
+                              <m:sSubPr>
+                                <m:ctrlPr>
+                                  <a:rPr lang="fr-FR" sz="1100" b="0" i="1" smtClean="0">
+                                    <a:latin typeface="Cambria Math"/>
+                                  </a:rPr>
+                                </m:ctrlPr>
+                              </m:sSubPr>
+                              <m:e>
+                                <m:r>
+                                  <a:rPr lang="fr-FR" sz="1100" b="0" i="1" smtClean="0">
+                                    <a:latin typeface="Cambria Math"/>
+                                  </a:rPr>
+                                  <m:t>𝑧</m:t>
+                                </m:r>
+                              </m:e>
+                              <m:sub>
+                                <m:r>
+                                  <a:rPr lang="fr-FR" sz="1100" b="0" i="1" smtClean="0">
+                                    <a:latin typeface="Cambria Math"/>
+                                  </a:rPr>
+                                  <m:t>3</m:t>
+                                </m:r>
+                              </m:sub>
+                            </m:sSub>
+                          </m:e>
+                        </m:acc>
+                      </m:e>
+                    </m:d>
+                  </m:oMath>
+                </a14:m>
+                <a:endParaRPr lang="fr-FR" sz="1100" dirty="0"/>
+              </a:p>
+            </p:txBody>
+          </p:sp>
+        </mc:Choice>
+        <mc:Fallback xmlns="">
+          <p:sp>
+            <p:nvSpPr>
+              <p:cNvPr id="34" name="ZoneTexte 33"/>
+              <p:cNvSpPr txBox="1">
+                <a:spLocks noRot="1" noChangeAspect="1" noMove="1" noResize="1" noEditPoints="1" noAdjustHandles="1" noChangeArrowheads="1" noChangeShapeType="1" noTextEdit="1"/>
+              </p:cNvSpPr>
+              <p:nvPr/>
+            </p:nvSpPr>
+            <p:spPr>
+              <a:xfrm rot="5400000">
+                <a:off x="2498389" y="2421287"/>
+                <a:ext cx="1140890" cy="261610"/>
+              </a:xfrm>
+              <a:prstGeom prst="rect">
+                <a:avLst/>
+              </a:prstGeom>
+              <a:blipFill rotWithShape="1">
+                <a:blip r:embed="rId5"/>
+                <a:stretch>
+                  <a:fillRect l="-16279"/>
+                </a:stretch>
+              </a:blipFill>
+            </p:spPr>
+            <p:txBody>
+              <a:bodyPr/>
+              <a:lstStyle/>
+              <a:p>
+                <a:r>
+                  <a:rPr lang="fr-FR">
+                    <a:noFill/>
+                  </a:rPr>
+                  <a:t> </a:t>
+                </a:r>
+              </a:p>
+            </p:txBody>
+          </p:sp>
+        </mc:Fallback>
+      </mc:AlternateContent>
+      <mc:AlternateContent xmlns:mc="http://schemas.openxmlformats.org/markup-compatibility/2006" xmlns:a14="http://schemas.microsoft.com/office/drawing/2010/main">
+        <mc:Choice Requires="a14">
+          <p:sp>
+            <p:nvSpPr>
+              <p:cNvPr id="35" name="ZoneTexte 34"/>
+              <p:cNvSpPr txBox="1"/>
+              <p:nvPr/>
+            </p:nvSpPr>
+            <p:spPr>
+              <a:xfrm>
+                <a:off x="4067944" y="1639000"/>
+                <a:ext cx="2465419" cy="627672"/>
+              </a:xfrm>
+              <a:prstGeom prst="rect">
+                <a:avLst/>
+              </a:prstGeom>
+              <a:noFill/>
+            </p:spPr>
+            <p:txBody>
+              <a:bodyPr wrap="none" rtlCol="0">
+                <a:spAutoFit/>
+              </a:bodyPr>
+              <a:lstStyle/>
+              <a:p>
+                <a:pPr/>
+                <a14:m>
+                  <m:oMathPara xmlns:m="http://schemas.openxmlformats.org/officeDocument/2006/math">
+                    <m:oMathParaPr>
+                      <m:jc m:val="centerGroup"/>
+                    </m:oMathParaPr>
+                    <m:oMath xmlns:m="http://schemas.openxmlformats.org/officeDocument/2006/math">
+                      <m:sSub>
+                        <m:sSubPr>
+                          <m:ctrlPr>
+                            <a:rPr lang="fr-FR" sz="1400" b="0" i="1" smtClean="0">
+                              <a:latin typeface="Cambria Math"/>
+                            </a:rPr>
+                          </m:ctrlPr>
+                        </m:sSubPr>
+                        <m:e>
+                          <m:d>
+                            <m:dPr>
+                              <m:begChr m:val="{"/>
+                              <m:endChr m:val="}"/>
+                              <m:ctrlPr>
+                                <a:rPr lang="fr-FR" sz="1400" b="0" i="1" smtClean="0">
+                                  <a:latin typeface="Cambria Math"/>
+                                </a:rPr>
+                              </m:ctrlPr>
+                            </m:dPr>
+                            <m:e>
+                              <m:r>
+                                <a:rPr lang="fr-FR" sz="1400" b="0" i="1" smtClean="0">
+                                  <a:latin typeface="Cambria Math"/>
+                                  <a:ea typeface="Cambria Math"/>
+                                </a:rPr>
+                                <m:t>𝒯</m:t>
+                              </m:r>
+                              <m:d>
+                                <m:dPr>
+                                  <m:ctrlPr>
+                                    <a:rPr lang="fr-FR" sz="1400" b="0" i="1" smtClean="0">
+                                      <a:latin typeface="Cambria Math"/>
+                                      <a:ea typeface="Cambria Math"/>
+                                    </a:rPr>
+                                  </m:ctrlPr>
+                                </m:dPr>
+                                <m:e>
+                                  <m:r>
+                                    <m:rPr>
+                                      <m:sty m:val="p"/>
+                                    </m:rPr>
+                                    <a:rPr lang="fr-FR" sz="1400">
+                                      <a:latin typeface="Cambria Math"/>
+                                    </a:rPr>
+                                    <m:t>ext</m:t>
+                                  </m:r>
+                                  <m:r>
+                                    <a:rPr lang="fr-FR" sz="1400" i="1">
+                                      <a:latin typeface="Cambria Math"/>
+                                    </a:rPr>
+                                    <m:t>→4</m:t>
+                                  </m:r>
+                                </m:e>
+                              </m:d>
+                            </m:e>
+                          </m:d>
+                          <m:r>
+                            <a:rPr lang="fr-FR" sz="1400" b="0" i="1" smtClean="0">
+                              <a:latin typeface="Cambria Math"/>
+                            </a:rPr>
+                            <m:t>=</m:t>
+                          </m:r>
+                          <m:d>
+                            <m:dPr>
+                              <m:begChr m:val="{"/>
+                              <m:endChr m:val="}"/>
+                              <m:ctrlPr>
+                                <a:rPr lang="fr-FR" sz="1400" b="0" i="1" smtClean="0">
+                                  <a:latin typeface="Cambria Math"/>
+                                </a:rPr>
+                              </m:ctrlPr>
+                            </m:dPr>
+                            <m:e>
+                              <m:eqArr>
+                                <m:eqArrPr>
+                                  <m:ctrlPr>
+                                    <a:rPr lang="fr-FR" sz="1400" b="0" i="1" smtClean="0">
+                                      <a:latin typeface="Cambria Math"/>
+                                    </a:rPr>
+                                  </m:ctrlPr>
+                                </m:eqArrPr>
+                                <m:e>
+                                  <m:sSub>
+                                    <m:sSubPr>
+                                      <m:ctrlPr>
+                                        <a:rPr lang="fr-FR" sz="1400" i="1">
+                                          <a:latin typeface="Cambria Math"/>
+                                        </a:rPr>
+                                      </m:ctrlPr>
+                                    </m:sSubPr>
+                                    <m:e>
+                                      <m:r>
+                                        <a:rPr lang="fr-FR" sz="1400" i="1">
+                                          <a:latin typeface="Cambria Math"/>
+                                        </a:rPr>
+                                        <m:t>𝑅</m:t>
+                                      </m:r>
+                                    </m:e>
+                                    <m:sub>
+                                      <m:r>
+                                        <m:rPr>
+                                          <m:sty m:val="p"/>
+                                        </m:rPr>
+                                        <a:rPr lang="fr-FR" sz="1400">
+                                          <a:latin typeface="Cambria Math"/>
+                                        </a:rPr>
+                                        <m:t>ext</m:t>
+                                      </m:r>
+                                      <m:r>
+                                        <a:rPr lang="fr-FR" sz="1400" i="1">
+                                          <a:latin typeface="Cambria Math"/>
+                                        </a:rPr>
+                                        <m:t>→4</m:t>
+                                      </m:r>
+                                    </m:sub>
+                                  </m:sSub>
+                                  <m:acc>
+                                    <m:accPr>
+                                      <m:chr m:val="⃗"/>
+                                      <m:ctrlPr>
+                                        <a:rPr lang="fr-FR" sz="1400" i="1">
+                                          <a:latin typeface="Cambria Math"/>
+                                        </a:rPr>
+                                      </m:ctrlPr>
+                                    </m:accPr>
+                                    <m:e>
+                                      <m:sSub>
+                                        <m:sSubPr>
+                                          <m:ctrlPr>
+                                            <a:rPr lang="fr-FR" sz="1400" i="1">
+                                              <a:latin typeface="Cambria Math"/>
+                                            </a:rPr>
+                                          </m:ctrlPr>
+                                        </m:sSubPr>
+                                        <m:e>
+                                          <m:r>
+                                            <a:rPr lang="fr-FR" sz="1400" i="1">
+                                              <a:latin typeface="Cambria Math"/>
+                                            </a:rPr>
+                                            <m:t>𝑧</m:t>
+                                          </m:r>
+                                        </m:e>
+                                        <m:sub>
+                                          <m:r>
+                                            <a:rPr lang="fr-FR" sz="1400" i="1">
+                                              <a:latin typeface="Cambria Math"/>
+                                            </a:rPr>
+                                            <m:t>4</m:t>
+                                          </m:r>
+                                        </m:sub>
+                                      </m:sSub>
+                                    </m:e>
+                                  </m:acc>
+                                </m:e>
+                                <m:e>
+                                  <m:acc>
+                                    <m:accPr>
+                                      <m:chr m:val="⃗"/>
+                                      <m:ctrlPr>
+                                        <a:rPr lang="fr-FR" sz="1400" i="1">
+                                          <a:latin typeface="Cambria Math"/>
+                                        </a:rPr>
+                                      </m:ctrlPr>
+                                    </m:accPr>
+                                    <m:e>
+                                      <m:r>
+                                        <a:rPr lang="fr-FR" sz="1400" b="0" i="1" smtClean="0">
+                                          <a:latin typeface="Cambria Math"/>
+                                        </a:rPr>
+                                        <m:t>0</m:t>
+                                      </m:r>
+                                    </m:e>
+                                  </m:acc>
+                                </m:e>
+                              </m:eqArr>
+                            </m:e>
+                          </m:d>
+                        </m:e>
+                        <m:sub>
+                          <m:sSub>
+                            <m:sSubPr>
+                              <m:ctrlPr>
+                                <a:rPr lang="fr-FR" sz="1400" b="0" i="1" smtClean="0">
+                                  <a:latin typeface="Cambria Math"/>
+                                </a:rPr>
+                              </m:ctrlPr>
+                            </m:sSubPr>
+                            <m:e>
+                              <m:r>
+                                <a:rPr lang="fr-FR" sz="1400" b="0" i="1" smtClean="0">
+                                  <a:latin typeface="Cambria Math"/>
+                                </a:rPr>
+                                <m:t>𝑂</m:t>
+                              </m:r>
+                            </m:e>
+                            <m:sub>
+                              <m:r>
+                                <a:rPr lang="fr-FR" sz="1400" b="0" i="1" smtClean="0">
+                                  <a:latin typeface="Cambria Math"/>
+                                </a:rPr>
+                                <m:t>4</m:t>
+                              </m:r>
+                            </m:sub>
+                          </m:sSub>
+                        </m:sub>
+                      </m:sSub>
+                    </m:oMath>
+                  </m:oMathPara>
+                </a14:m>
+                <a:endParaRPr lang="fr-FR" sz="1000" dirty="0"/>
+              </a:p>
+            </p:txBody>
+          </p:sp>
+        </mc:Choice>
+        <mc:Fallback xmlns="">
+          <p:sp>
+            <p:nvSpPr>
+              <p:cNvPr id="35" name="ZoneTexte 34"/>
+              <p:cNvSpPr txBox="1">
+                <a:spLocks noRot="1" noChangeAspect="1" noMove="1" noResize="1" noEditPoints="1" noAdjustHandles="1" noChangeArrowheads="1" noChangeShapeType="1" noTextEdit="1"/>
+              </p:cNvSpPr>
+              <p:nvPr/>
+            </p:nvSpPr>
+            <p:spPr>
+              <a:xfrm>
+                <a:off x="4067944" y="1639000"/>
+                <a:ext cx="2465419" cy="627672"/>
+              </a:xfrm>
+              <a:prstGeom prst="rect">
+                <a:avLst/>
+              </a:prstGeom>
+              <a:blipFill rotWithShape="1">
+                <a:blip r:embed="rId6"/>
+                <a:stretch>
+                  <a:fillRect/>
+                </a:stretch>
+              </a:blipFill>
+            </p:spPr>
+            <p:txBody>
+              <a:bodyPr/>
+              <a:lstStyle/>
+              <a:p>
+                <a:r>
+                  <a:rPr lang="fr-FR">
+                    <a:noFill/>
+                  </a:rPr>
+                  <a:t> </a:t>
+                </a:r>
+              </a:p>
+            </p:txBody>
+          </p:sp>
+        </mc:Fallback>
+      </mc:AlternateContent>
+      <p:sp>
+        <p:nvSpPr>
+          <p:cNvPr id="36" name="ZoneTexte 35"/>
+          <p:cNvSpPr txBox="1"/>
+          <p:nvPr/>
+        </p:nvSpPr>
+        <p:spPr>
+          <a:xfrm>
+            <a:off x="2780801" y="794844"/>
+            <a:ext cx="763351" cy="261610"/>
+          </a:xfrm>
+          <a:prstGeom prst="rect">
+            <a:avLst/>
+          </a:prstGeom>
+          <a:noFill/>
+        </p:spPr>
+        <p:txBody>
+          <a:bodyPr wrap="none" rtlCol="0">
+            <a:spAutoFit/>
+          </a:bodyPr>
+          <a:lstStyle/>
+          <a:p>
+            <a:r>
+              <a:rPr lang="fr-FR" sz="1100" b="0" dirty="0" smtClean="0"/>
+              <a:t>Pesanteur</a:t>
+            </a:r>
+            <a:endParaRPr lang="fr-FR" sz="1100" dirty="0"/>
+          </a:p>
+        </p:txBody>
+      </p:sp>
+      <mc:AlternateContent xmlns:mc="http://schemas.openxmlformats.org/markup-compatibility/2006" xmlns:a14="http://schemas.microsoft.com/office/drawing/2010/main">
+        <mc:Choice Requires="a14">
+          <p:sp>
+            <p:nvSpPr>
+              <p:cNvPr id="37" name="Rectangle 36"/>
+              <p:cNvSpPr/>
+              <p:nvPr/>
+            </p:nvSpPr>
+            <p:spPr>
+              <a:xfrm rot="19800000">
+                <a:off x="397779" y="1408765"/>
+                <a:ext cx="641393" cy="261610"/>
+              </a:xfrm>
+              <a:prstGeom prst="rect">
+                <a:avLst/>
+              </a:prstGeom>
+            </p:spPr>
+            <p:txBody>
+              <a:bodyPr wrap="none">
+                <a:spAutoFit/>
+              </a:bodyPr>
+              <a:lstStyle/>
+              <a:p>
+                <a:pPr/>
+                <a14:m>
+                  <m:oMathPara xmlns:m="http://schemas.openxmlformats.org/officeDocument/2006/math">
+                    <m:oMathParaPr>
+                      <m:jc m:val="centerGroup"/>
+                    </m:oMathParaPr>
+                    <m:oMath xmlns:m="http://schemas.openxmlformats.org/officeDocument/2006/math">
+                      <m:sSub>
+                        <m:sSubPr>
+                          <m:ctrlPr>
+                            <a:rPr lang="fr-FR" sz="1100" i="1" smtClean="0">
+                              <a:latin typeface="Cambria Math"/>
+                            </a:rPr>
+                          </m:ctrlPr>
+                        </m:sSubPr>
+                        <m:e>
+                          <m:r>
+                            <a:rPr lang="fr-FR" sz="1100" b="0" i="1" smtClean="0">
+                              <a:latin typeface="Cambria Math"/>
+                            </a:rPr>
+                            <m:t>𝐶</m:t>
+                          </m:r>
+                        </m:e>
+                        <m:sub>
+                          <m:r>
+                            <m:rPr>
+                              <m:sty m:val="p"/>
+                            </m:rPr>
+                            <a:rPr lang="fr-FR" sz="1100" b="0" i="0" smtClean="0">
+                              <a:latin typeface="Cambria Math"/>
+                            </a:rPr>
+                            <m:t>m</m:t>
+                          </m:r>
+                          <m:r>
+                            <a:rPr lang="fr-FR" sz="1100" b="0" i="0" smtClean="0">
+                              <a:latin typeface="Cambria Math"/>
+                            </a:rPr>
+                            <m:t>0</m:t>
+                          </m:r>
+                          <m:r>
+                            <a:rPr lang="fr-FR" sz="1100" b="0" i="1" smtClean="0">
+                              <a:latin typeface="Cambria Math"/>
+                            </a:rPr>
+                            <m:t>1</m:t>
+                          </m:r>
+                        </m:sub>
+                      </m:sSub>
+                      <m:acc>
+                        <m:accPr>
+                          <m:chr m:val="⃗"/>
+                          <m:ctrlPr>
+                            <a:rPr lang="fr-FR" sz="1100" i="1">
+                              <a:latin typeface="Cambria Math"/>
+                            </a:rPr>
+                          </m:ctrlPr>
+                        </m:accPr>
+                        <m:e>
+                          <m:sSub>
+                            <m:sSubPr>
+                              <m:ctrlPr>
+                                <a:rPr lang="fr-FR" sz="1100" i="1">
+                                  <a:latin typeface="Cambria Math"/>
+                                </a:rPr>
+                              </m:ctrlPr>
+                            </m:sSubPr>
+                            <m:e>
+                              <m:r>
+                                <a:rPr lang="fr-FR" sz="1100" i="1">
+                                  <a:latin typeface="Cambria Math"/>
+                                </a:rPr>
+                                <m:t>𝑧</m:t>
+                              </m:r>
+                            </m:e>
+                            <m:sub>
+                              <m:r>
+                                <a:rPr lang="fr-FR" sz="1100" b="0" i="1" smtClean="0">
+                                  <a:latin typeface="Cambria Math"/>
+                                </a:rPr>
+                                <m:t>1</m:t>
+                              </m:r>
+                            </m:sub>
+                          </m:sSub>
+                        </m:e>
+                      </m:acc>
+                    </m:oMath>
+                  </m:oMathPara>
+                </a14:m>
+                <a:endParaRPr lang="fr-FR" sz="1100" dirty="0"/>
+              </a:p>
+            </p:txBody>
+          </p:sp>
+        </mc:Choice>
+        <mc:Fallback xmlns="">
+          <p:sp>
+            <p:nvSpPr>
+              <p:cNvPr id="37" name="Rectangle 36"/>
+              <p:cNvSpPr>
+                <a:spLocks noRot="1" noChangeAspect="1" noMove="1" noResize="1" noEditPoints="1" noAdjustHandles="1" noChangeArrowheads="1" noChangeShapeType="1" noTextEdit="1"/>
+              </p:cNvSpPr>
+              <p:nvPr/>
+            </p:nvSpPr>
+            <p:spPr>
+              <a:xfrm rot="19800000">
+                <a:off x="397779" y="1408765"/>
+                <a:ext cx="641393" cy="261610"/>
+              </a:xfrm>
+              <a:prstGeom prst="rect">
+                <a:avLst/>
+              </a:prstGeom>
+              <a:blipFill rotWithShape="1">
+                <a:blip r:embed="rId7"/>
+                <a:stretch>
+                  <a:fillRect/>
+                </a:stretch>
+              </a:blipFill>
+            </p:spPr>
+            <p:txBody>
+              <a:bodyPr/>
+              <a:lstStyle/>
+              <a:p>
+                <a:r>
+                  <a:rPr lang="fr-FR">
+                    <a:noFill/>
+                  </a:rPr>
+                  <a:t> </a:t>
+                </a:r>
+              </a:p>
+            </p:txBody>
+          </p:sp>
+        </mc:Fallback>
+      </mc:AlternateContent>
+      <mc:AlternateContent xmlns:mc="http://schemas.openxmlformats.org/markup-compatibility/2006" xmlns:a14="http://schemas.microsoft.com/office/drawing/2010/main">
+        <mc:Choice Requires="a14">
+          <p:sp>
+            <p:nvSpPr>
+              <p:cNvPr id="39" name="Rectangle 38"/>
+              <p:cNvSpPr/>
+              <p:nvPr/>
+            </p:nvSpPr>
+            <p:spPr>
+              <a:xfrm rot="19800000">
+                <a:off x="1393370" y="1468192"/>
+                <a:ext cx="545214" cy="261610"/>
+              </a:xfrm>
+              <a:prstGeom prst="rect">
+                <a:avLst/>
+              </a:prstGeom>
+            </p:spPr>
+            <p:txBody>
+              <a:bodyPr wrap="none">
+                <a:spAutoFit/>
+              </a:bodyPr>
+              <a:lstStyle/>
+              <a:p>
+                <a:pPr/>
+                <a14:m>
+                  <m:oMathPara xmlns:m="http://schemas.openxmlformats.org/officeDocument/2006/math">
+                    <m:oMathParaPr>
+                      <m:jc m:val="centerGroup"/>
+                    </m:oMathParaPr>
+                    <m:oMath xmlns:m="http://schemas.openxmlformats.org/officeDocument/2006/math">
+                      <m:sSub>
+                        <m:sSubPr>
+                          <m:ctrlPr>
+                            <a:rPr lang="fr-FR" sz="1100" i="1" smtClean="0">
+                              <a:latin typeface="Cambria Math"/>
+                            </a:rPr>
+                          </m:ctrlPr>
+                        </m:sSubPr>
+                        <m:e>
+                          <m:r>
+                            <a:rPr lang="fr-FR" sz="1100" b="0" i="1" smtClean="0">
+                              <a:latin typeface="Cambria Math"/>
+                            </a:rPr>
+                            <m:t>𝐶</m:t>
+                          </m:r>
+                        </m:e>
+                        <m:sub>
+                          <m:r>
+                            <a:rPr lang="fr-FR" sz="1100" b="0" i="1" smtClean="0">
+                              <a:latin typeface="Cambria Math"/>
+                            </a:rPr>
+                            <m:t>12</m:t>
+                          </m:r>
+                        </m:sub>
+                      </m:sSub>
+                      <m:acc>
+                        <m:accPr>
+                          <m:chr m:val="⃗"/>
+                          <m:ctrlPr>
+                            <a:rPr lang="fr-FR" sz="1100" i="1">
+                              <a:latin typeface="Cambria Math"/>
+                            </a:rPr>
+                          </m:ctrlPr>
+                        </m:accPr>
+                        <m:e>
+                          <m:sSub>
+                            <m:sSubPr>
+                              <m:ctrlPr>
+                                <a:rPr lang="fr-FR" sz="1100" i="1">
+                                  <a:latin typeface="Cambria Math"/>
+                                </a:rPr>
+                              </m:ctrlPr>
+                            </m:sSubPr>
+                            <m:e>
+                              <m:r>
+                                <a:rPr lang="fr-FR" sz="1100" i="1">
+                                  <a:latin typeface="Cambria Math"/>
+                                </a:rPr>
+                                <m:t>𝑧</m:t>
+                              </m:r>
+                            </m:e>
+                            <m:sub>
+                              <m:r>
+                                <a:rPr lang="fr-FR" sz="1100" b="0" i="1" smtClean="0">
+                                  <a:latin typeface="Cambria Math"/>
+                                </a:rPr>
+                                <m:t>2</m:t>
+                              </m:r>
+                            </m:sub>
+                          </m:sSub>
+                        </m:e>
+                      </m:acc>
+                    </m:oMath>
+                  </m:oMathPara>
+                </a14:m>
+                <a:endParaRPr lang="fr-FR" sz="1100" dirty="0"/>
+              </a:p>
+            </p:txBody>
+          </p:sp>
+        </mc:Choice>
+        <mc:Fallback xmlns="">
+          <p:sp>
+            <p:nvSpPr>
+              <p:cNvPr id="39" name="Rectangle 38"/>
+              <p:cNvSpPr>
+                <a:spLocks noRot="1" noChangeAspect="1" noMove="1" noResize="1" noEditPoints="1" noAdjustHandles="1" noChangeArrowheads="1" noChangeShapeType="1" noTextEdit="1"/>
+              </p:cNvSpPr>
+              <p:nvPr/>
+            </p:nvSpPr>
+            <p:spPr>
+              <a:xfrm rot="19800000">
+                <a:off x="1393370" y="1468192"/>
+                <a:ext cx="545214" cy="261610"/>
+              </a:xfrm>
+              <a:prstGeom prst="rect">
+                <a:avLst/>
+              </a:prstGeom>
+              <a:blipFill rotWithShape="1">
+                <a:blip r:embed="rId8"/>
+                <a:stretch>
+                  <a:fillRect/>
+                </a:stretch>
+              </a:blipFill>
+            </p:spPr>
+            <p:txBody>
+              <a:bodyPr/>
+              <a:lstStyle/>
+              <a:p>
+                <a:r>
+                  <a:rPr lang="fr-FR">
+                    <a:noFill/>
+                  </a:rPr>
+                  <a:t> </a:t>
+                </a:r>
+              </a:p>
+            </p:txBody>
+          </p:sp>
+        </mc:Fallback>
+      </mc:AlternateContent>
+      <mc:AlternateContent xmlns:mc="http://schemas.openxmlformats.org/markup-compatibility/2006" xmlns:a14="http://schemas.microsoft.com/office/drawing/2010/main">
+        <mc:Choice Requires="a14">
+          <p:sp>
+            <p:nvSpPr>
+              <p:cNvPr id="40" name="Rectangle 39"/>
+              <p:cNvSpPr/>
+              <p:nvPr/>
+            </p:nvSpPr>
+            <p:spPr>
+              <a:xfrm rot="19800000">
+                <a:off x="2129684" y="1467064"/>
+                <a:ext cx="548483" cy="261610"/>
+              </a:xfrm>
+              <a:prstGeom prst="rect">
+                <a:avLst/>
+              </a:prstGeom>
+            </p:spPr>
+            <p:txBody>
+              <a:bodyPr wrap="none">
+                <a:spAutoFit/>
+              </a:bodyPr>
+              <a:lstStyle/>
+              <a:p>
+                <a:pPr/>
+                <a14:m>
+                  <m:oMathPara xmlns:m="http://schemas.openxmlformats.org/officeDocument/2006/math">
+                    <m:oMathParaPr>
+                      <m:jc m:val="centerGroup"/>
+                    </m:oMathParaPr>
+                    <m:oMath xmlns:m="http://schemas.openxmlformats.org/officeDocument/2006/math">
+                      <m:sSub>
+                        <m:sSubPr>
+                          <m:ctrlPr>
+                            <a:rPr lang="fr-FR" sz="1100" i="1" smtClean="0">
+                              <a:latin typeface="Cambria Math"/>
+                            </a:rPr>
+                          </m:ctrlPr>
+                        </m:sSubPr>
+                        <m:e>
+                          <m:r>
+                            <a:rPr lang="fr-FR" sz="1100" b="0" i="1" smtClean="0">
+                              <a:latin typeface="Cambria Math"/>
+                            </a:rPr>
+                            <m:t>𝐶</m:t>
+                          </m:r>
+                        </m:e>
+                        <m:sub>
+                          <m:r>
+                            <a:rPr lang="fr-FR" sz="1100" b="0" i="1" smtClean="0">
+                              <a:latin typeface="Cambria Math"/>
+                            </a:rPr>
+                            <m:t>23</m:t>
+                          </m:r>
+                        </m:sub>
+                      </m:sSub>
+                      <m:acc>
+                        <m:accPr>
+                          <m:chr m:val="⃗"/>
+                          <m:ctrlPr>
+                            <a:rPr lang="fr-FR" sz="1100" i="1">
+                              <a:latin typeface="Cambria Math"/>
+                            </a:rPr>
+                          </m:ctrlPr>
+                        </m:accPr>
+                        <m:e>
+                          <m:sSub>
+                            <m:sSubPr>
+                              <m:ctrlPr>
+                                <a:rPr lang="fr-FR" sz="1100" i="1">
+                                  <a:latin typeface="Cambria Math"/>
+                                </a:rPr>
+                              </m:ctrlPr>
+                            </m:sSubPr>
+                            <m:e>
+                              <m:r>
+                                <a:rPr lang="fr-FR" sz="1100" i="1">
+                                  <a:latin typeface="Cambria Math"/>
+                                </a:rPr>
+                                <m:t>𝑧</m:t>
+                              </m:r>
+                            </m:e>
+                            <m:sub>
+                              <m:r>
+                                <a:rPr lang="fr-FR" sz="1100" b="0" i="1" smtClean="0">
+                                  <a:latin typeface="Cambria Math"/>
+                                </a:rPr>
+                                <m:t>3</m:t>
+                              </m:r>
+                            </m:sub>
+                          </m:sSub>
+                        </m:e>
+                      </m:acc>
+                    </m:oMath>
+                  </m:oMathPara>
+                </a14:m>
+                <a:endParaRPr lang="fr-FR" sz="1100" dirty="0"/>
+              </a:p>
+            </p:txBody>
+          </p:sp>
+        </mc:Choice>
+        <mc:Fallback xmlns="">
+          <p:sp>
+            <p:nvSpPr>
+              <p:cNvPr id="40" name="Rectangle 39"/>
+              <p:cNvSpPr>
+                <a:spLocks noRot="1" noChangeAspect="1" noMove="1" noResize="1" noEditPoints="1" noAdjustHandles="1" noChangeArrowheads="1" noChangeShapeType="1" noTextEdit="1"/>
+              </p:cNvSpPr>
+              <p:nvPr/>
+            </p:nvSpPr>
+            <p:spPr>
+              <a:xfrm rot="19800000">
+                <a:off x="2129684" y="1467064"/>
+                <a:ext cx="548483" cy="261610"/>
+              </a:xfrm>
+              <a:prstGeom prst="rect">
+                <a:avLst/>
+              </a:prstGeom>
+              <a:blipFill rotWithShape="1">
+                <a:blip r:embed="rId9"/>
+                <a:stretch>
+                  <a:fillRect/>
+                </a:stretch>
+              </a:blipFill>
+            </p:spPr>
+            <p:txBody>
+              <a:bodyPr/>
+              <a:lstStyle/>
+              <a:p>
+                <a:r>
+                  <a:rPr lang="fr-FR">
+                    <a:noFill/>
+                  </a:rPr>
+                  <a:t> </a:t>
+                </a:r>
+              </a:p>
+            </p:txBody>
+          </p:sp>
+        </mc:Fallback>
+      </mc:AlternateContent>
+      <mc:AlternateContent xmlns:mc="http://schemas.openxmlformats.org/markup-compatibility/2006" xmlns:a14="http://schemas.microsoft.com/office/drawing/2010/main">
+        <mc:Choice Requires="a14">
+          <p:sp>
+            <p:nvSpPr>
+              <p:cNvPr id="42" name="Rectangle 41"/>
+              <p:cNvSpPr/>
+              <p:nvPr/>
+            </p:nvSpPr>
+            <p:spPr>
+              <a:xfrm rot="19800000">
+                <a:off x="2848439" y="1467064"/>
+                <a:ext cx="639086" cy="261610"/>
+              </a:xfrm>
+              <a:prstGeom prst="rect">
+                <a:avLst/>
+              </a:prstGeom>
+            </p:spPr>
+            <p:txBody>
+              <a:bodyPr wrap="none">
+                <a:spAutoFit/>
+              </a:bodyPr>
+              <a:lstStyle/>
+              <a:p>
+                <a:pPr/>
+                <a14:m>
+                  <m:oMathPara xmlns:m="http://schemas.openxmlformats.org/officeDocument/2006/math">
+                    <m:oMathParaPr>
+                      <m:jc m:val="centerGroup"/>
+                    </m:oMathParaPr>
+                    <m:oMath xmlns:m="http://schemas.openxmlformats.org/officeDocument/2006/math">
+                      <m:sSub>
+                        <m:sSubPr>
+                          <m:ctrlPr>
+                            <a:rPr lang="fr-FR" sz="1100" i="1" smtClean="0">
+                              <a:latin typeface="Cambria Math"/>
+                            </a:rPr>
+                          </m:ctrlPr>
+                        </m:sSubPr>
+                        <m:e>
+                          <m:r>
+                            <a:rPr lang="fr-FR" sz="1100" b="0" i="1" smtClean="0">
+                              <a:latin typeface="Cambria Math"/>
+                            </a:rPr>
+                            <m:t>𝐹</m:t>
+                          </m:r>
+                        </m:e>
+                        <m:sub>
+                          <m:r>
+                            <m:rPr>
+                              <m:sty m:val="p"/>
+                            </m:rPr>
+                            <a:rPr lang="fr-FR" sz="1100" b="0" i="0" smtClean="0">
+                              <a:latin typeface="Cambria Math"/>
+                            </a:rPr>
+                            <m:t>m</m:t>
+                          </m:r>
+                          <m:r>
+                            <a:rPr lang="fr-FR" sz="1100" b="0" i="1" smtClean="0">
+                              <a:latin typeface="Cambria Math"/>
+                            </a:rPr>
+                            <m:t>34</m:t>
+                          </m:r>
+                        </m:sub>
+                      </m:sSub>
+                      <m:acc>
+                        <m:accPr>
+                          <m:chr m:val="⃗"/>
+                          <m:ctrlPr>
+                            <a:rPr lang="fr-FR" sz="1100" i="1">
+                              <a:latin typeface="Cambria Math"/>
+                            </a:rPr>
+                          </m:ctrlPr>
+                        </m:accPr>
+                        <m:e>
+                          <m:sSub>
+                            <m:sSubPr>
+                              <m:ctrlPr>
+                                <a:rPr lang="fr-FR" sz="1100" i="1">
+                                  <a:latin typeface="Cambria Math"/>
+                                </a:rPr>
+                              </m:ctrlPr>
+                            </m:sSubPr>
+                            <m:e>
+                              <m:r>
+                                <a:rPr lang="fr-FR" sz="1100" i="1">
+                                  <a:latin typeface="Cambria Math"/>
+                                </a:rPr>
+                                <m:t>𝑧</m:t>
+                              </m:r>
+                            </m:e>
+                            <m:sub>
+                              <m:r>
+                                <a:rPr lang="fr-FR" sz="1100" b="0" i="1" smtClean="0">
+                                  <a:latin typeface="Cambria Math"/>
+                                </a:rPr>
+                                <m:t>4</m:t>
+                              </m:r>
+                            </m:sub>
+                          </m:sSub>
+                        </m:e>
+                      </m:acc>
+                    </m:oMath>
+                  </m:oMathPara>
+                </a14:m>
+                <a:endParaRPr lang="fr-FR" sz="1100" dirty="0"/>
+              </a:p>
+            </p:txBody>
+          </p:sp>
+        </mc:Choice>
+        <mc:Fallback xmlns="">
+          <p:sp>
+            <p:nvSpPr>
+              <p:cNvPr id="42" name="Rectangle 41"/>
+              <p:cNvSpPr>
+                <a:spLocks noRot="1" noChangeAspect="1" noMove="1" noResize="1" noEditPoints="1" noAdjustHandles="1" noChangeArrowheads="1" noChangeShapeType="1" noTextEdit="1"/>
+              </p:cNvSpPr>
+              <p:nvPr/>
+            </p:nvSpPr>
+            <p:spPr>
+              <a:xfrm rot="19800000">
+                <a:off x="2848439" y="1467064"/>
+                <a:ext cx="639086" cy="261610"/>
+              </a:xfrm>
+              <a:prstGeom prst="rect">
+                <a:avLst/>
+              </a:prstGeom>
+              <a:blipFill rotWithShape="1">
+                <a:blip r:embed="rId10"/>
+                <a:stretch>
+                  <a:fillRect/>
+                </a:stretch>
+              </a:blipFill>
+            </p:spPr>
+            <p:txBody>
+              <a:bodyPr/>
+              <a:lstStyle/>
+              <a:p>
+                <a:r>
+                  <a:rPr lang="fr-FR">
+                    <a:noFill/>
+                  </a:rPr>
+                  <a:t> </a:t>
+                </a:r>
+              </a:p>
+            </p:txBody>
+          </p:sp>
+        </mc:Fallback>
+      </mc:AlternateContent>
+    </p:spTree>
+    <p:extLst>
+      <p:ext uri="{BB962C8B-B14F-4D97-AF65-F5344CB8AC3E}">
+        <p14:creationId xmlns:p14="http://schemas.microsoft.com/office/powerpoint/2010/main" val="178783706"/>
+      </p:ext>
+    </p:extLst>
+  </p:cSld>
+  <p:clrMapOvr>
+    <a:masterClrMapping/>
+  </p:clrMapOvr>
+</p:sld>
+</file>
+
 <file path=ppt/theme/theme1.xml><?xml version="1.0" encoding="utf-8"?>
 <a:theme xmlns:a="http://schemas.openxmlformats.org/drawingml/2006/main" name="Thème Office">
   <a:themeElements>
